--- a/docs/diagrams/HighLevelSequenceDiagrams.pptx
+++ b/docs/diagrams/HighLevelSequenceDiagrams.pptx
@@ -5,10 +5,11 @@
     <p:sldMasterId id="2147483648" r:id="rId1"/>
   </p:sldMasterIdLst>
   <p:notesMasterIdLst>
-    <p:notesMasterId r:id="rId3"/>
+    <p:notesMasterId r:id="rId4"/>
   </p:notesMasterIdLst>
   <p:sldIdLst>
     <p:sldId id="266" r:id="rId2"/>
+    <p:sldId id="267" r:id="rId3"/>
   </p:sldIdLst>
   <p:sldSz cx="9144000" cy="6858000" type="screen4x3"/>
   <p:notesSz cx="6858000" cy="9144000"/>
@@ -107,6 +108,22 @@
       </a:defRPr>
     </a:lvl9pPr>
   </p:defaultTextStyle>
+  <p:extLst>
+    <p:ext uri="{EFAFB233-063F-42B5-8137-9DF3F51BA10A}">
+      <p15:sldGuideLst xmlns:p15="http://schemas.microsoft.com/office/powerpoint/2012/main">
+        <p15:guide id="1" orient="horz" pos="1488">
+          <p15:clr>
+            <a:srgbClr val="A4A3A4"/>
+          </p15:clr>
+        </p15:guide>
+        <p15:guide id="2" pos="2880">
+          <p15:clr>
+            <a:srgbClr val="A4A3A4"/>
+          </p15:clr>
+        </p15:guide>
+      </p15:sldGuideLst>
+    </p:ext>
+  </p:extLst>
 </p:presentation>
 </file>
 
@@ -192,7 +209,7 @@
           <a:p>
             <a:fld id="{F5CC4B3F-88C1-4FFA-B1B6-F41C21DC6924}" type="datetimeFigureOut">
               <a:rPr lang="en-US" smtClean="0"/>
-              <a:t>10/16/2016</a:t>
+              <a:t>3/31/18</a:t>
             </a:fld>
             <a:endParaRPr lang="en-US"/>
           </a:p>
@@ -641,7 +658,7 @@
           <a:p>
             <a:fld id="{78C97017-6FC3-485B-9764-EAC9E56C1D49}" type="datetimeFigureOut">
               <a:rPr lang="en-US" smtClean="0"/>
-              <a:t>10/16/2016</a:t>
+              <a:t>3/31/18</a:t>
             </a:fld>
             <a:endParaRPr lang="en-US"/>
           </a:p>
@@ -811,7 +828,7 @@
           <a:p>
             <a:fld id="{78C97017-6FC3-485B-9764-EAC9E56C1D49}" type="datetimeFigureOut">
               <a:rPr lang="en-US" smtClean="0"/>
-              <a:t>10/16/2016</a:t>
+              <a:t>3/31/18</a:t>
             </a:fld>
             <a:endParaRPr lang="en-US"/>
           </a:p>
@@ -991,7 +1008,7 @@
           <a:p>
             <a:fld id="{78C97017-6FC3-485B-9764-EAC9E56C1D49}" type="datetimeFigureOut">
               <a:rPr lang="en-US" smtClean="0"/>
-              <a:t>10/16/2016</a:t>
+              <a:t>3/31/18</a:t>
             </a:fld>
             <a:endParaRPr lang="en-US"/>
           </a:p>
@@ -1161,7 +1178,7 @@
           <a:p>
             <a:fld id="{78C97017-6FC3-485B-9764-EAC9E56C1D49}" type="datetimeFigureOut">
               <a:rPr lang="en-US" smtClean="0"/>
-              <a:t>10/16/2016</a:t>
+              <a:t>3/31/18</a:t>
             </a:fld>
             <a:endParaRPr lang="en-US"/>
           </a:p>
@@ -1407,7 +1424,7 @@
           <a:p>
             <a:fld id="{78C97017-6FC3-485B-9764-EAC9E56C1D49}" type="datetimeFigureOut">
               <a:rPr lang="en-US" smtClean="0"/>
-              <a:t>10/16/2016</a:t>
+              <a:t>3/31/18</a:t>
             </a:fld>
             <a:endParaRPr lang="en-US"/>
           </a:p>
@@ -1695,7 +1712,7 @@
           <a:p>
             <a:fld id="{78C97017-6FC3-485B-9764-EAC9E56C1D49}" type="datetimeFigureOut">
               <a:rPr lang="en-US" smtClean="0"/>
-              <a:t>10/16/2016</a:t>
+              <a:t>3/31/18</a:t>
             </a:fld>
             <a:endParaRPr lang="en-US"/>
           </a:p>
@@ -2117,7 +2134,7 @@
           <a:p>
             <a:fld id="{78C97017-6FC3-485B-9764-EAC9E56C1D49}" type="datetimeFigureOut">
               <a:rPr lang="en-US" smtClean="0"/>
-              <a:t>10/16/2016</a:t>
+              <a:t>3/31/18</a:t>
             </a:fld>
             <a:endParaRPr lang="en-US"/>
           </a:p>
@@ -2235,7 +2252,7 @@
           <a:p>
             <a:fld id="{78C97017-6FC3-485B-9764-EAC9E56C1D49}" type="datetimeFigureOut">
               <a:rPr lang="en-US" smtClean="0"/>
-              <a:t>10/16/2016</a:t>
+              <a:t>3/31/18</a:t>
             </a:fld>
             <a:endParaRPr lang="en-US"/>
           </a:p>
@@ -2330,7 +2347,7 @@
           <a:p>
             <a:fld id="{78C97017-6FC3-485B-9764-EAC9E56C1D49}" type="datetimeFigureOut">
               <a:rPr lang="en-US" smtClean="0"/>
-              <a:t>10/16/2016</a:t>
+              <a:t>3/31/18</a:t>
             </a:fld>
             <a:endParaRPr lang="en-US"/>
           </a:p>
@@ -2607,7 +2624,7 @@
           <a:p>
             <a:fld id="{78C97017-6FC3-485B-9764-EAC9E56C1D49}" type="datetimeFigureOut">
               <a:rPr lang="en-US" smtClean="0"/>
-              <a:t>10/16/2016</a:t>
+              <a:t>3/31/18</a:t>
             </a:fld>
             <a:endParaRPr lang="en-US"/>
           </a:p>
@@ -2860,7 +2877,7 @@
           <a:p>
             <a:fld id="{78C97017-6FC3-485B-9764-EAC9E56C1D49}" type="datetimeFigureOut">
               <a:rPr lang="en-US" smtClean="0"/>
-              <a:t>10/16/2016</a:t>
+              <a:t>3/31/18</a:t>
             </a:fld>
             <a:endParaRPr lang="en-US"/>
           </a:p>
@@ -3073,7 +3090,7 @@
           <a:p>
             <a:fld id="{78C97017-6FC3-485B-9764-EAC9E56C1D49}" type="datetimeFigureOut">
               <a:rPr lang="en-US" smtClean="0"/>
-              <a:t>10/16/2016</a:t>
+              <a:t>3/31/18</a:t>
             </a:fld>
             <a:endParaRPr lang="en-US"/>
           </a:p>
@@ -6069,6 +6086,2875 @@
     <p:extLst>
       <p:ext uri="{BB962C8B-B14F-4D97-AF65-F5344CB8AC3E}">
         <p14:creationId xmlns:p14="http://schemas.microsoft.com/office/powerpoint/2010/main" val="4023378879"/>
+      </p:ext>
+    </p:extLst>
+  </p:cSld>
+  <p:clrMapOvr>
+    <a:masterClrMapping/>
+  </p:clrMapOvr>
+</p:sld>
+</file>
+
+<file path=ppt/slides/slide2.xml><?xml version="1.0" encoding="utf-8"?>
+<p:sld xmlns:a="http://schemas.openxmlformats.org/drawingml/2006/main" xmlns:r="http://schemas.openxmlformats.org/officeDocument/2006/relationships" xmlns:p="http://schemas.openxmlformats.org/presentationml/2006/main">
+  <p:cSld>
+    <p:spTree>
+      <p:nvGrpSpPr>
+        <p:cNvPr id="1" name=""/>
+        <p:cNvGrpSpPr/>
+        <p:nvPr/>
+      </p:nvGrpSpPr>
+      <p:grpSpPr>
+        <a:xfrm>
+          <a:off x="0" y="0"/>
+          <a:ext cx="0" cy="0"/>
+          <a:chOff x="0" y="0"/>
+          <a:chExt cx="0" cy="0"/>
+        </a:xfrm>
+      </p:grpSpPr>
+      <p:sp>
+        <p:nvSpPr>
+          <p:cNvPr id="2" name="Rectangle 62"/>
+          <p:cNvSpPr/>
+          <p:nvPr/>
+        </p:nvSpPr>
+        <p:spPr>
+          <a:xfrm>
+            <a:off x="780170" y="607926"/>
+            <a:ext cx="1093635" cy="346760"/>
+          </a:xfrm>
+          <a:prstGeom prst="rect">
+            <a:avLst/>
+          </a:prstGeom>
+          <a:solidFill>
+            <a:srgbClr val="00B050"/>
+          </a:solidFill>
+          <a:ln w="19050">
+            <a:solidFill>
+              <a:srgbClr val="00B050"/>
+            </a:solidFill>
+          </a:ln>
+          <a:effectLst/>
+        </p:spPr>
+        <p:style>
+          <a:lnRef idx="1">
+            <a:schemeClr val="accent2"/>
+          </a:lnRef>
+          <a:fillRef idx="2">
+            <a:schemeClr val="accent2"/>
+          </a:fillRef>
+          <a:effectRef idx="1">
+            <a:schemeClr val="accent2"/>
+          </a:effectRef>
+          <a:fontRef idx="minor">
+            <a:schemeClr val="dk1"/>
+          </a:fontRef>
+        </p:style>
+        <p:txBody>
+          <a:bodyPr rtlCol="0" anchor="ctr"/>
+          <a:lstStyle/>
+          <a:p>
+            <a:pPr algn="ctr"/>
+            <a:r>
+              <a:rPr lang="en-US" sz="1600" dirty="0" smtClean="0">
+                <a:solidFill>
+                  <a:schemeClr val="bg1"/>
+                </a:solidFill>
+              </a:rPr>
+              <a:t>:UI</a:t>
+            </a:r>
+            <a:endParaRPr lang="en-SG" sz="1600" dirty="0">
+              <a:solidFill>
+                <a:schemeClr val="bg1"/>
+              </a:solidFill>
+            </a:endParaRPr>
+          </a:p>
+        </p:txBody>
+      </p:sp>
+      <p:cxnSp>
+        <p:nvCxnSpPr>
+          <p:cNvPr id="5" name="Straight Connector 4"/>
+          <p:cNvCxnSpPr/>
+          <p:nvPr/>
+        </p:nvCxnSpPr>
+        <p:spPr>
+          <a:xfrm flipH="1">
+            <a:off x="1149337" y="988209"/>
+            <a:ext cx="7474" cy="3583791"/>
+          </a:xfrm>
+          <a:prstGeom prst="line">
+            <a:avLst/>
+          </a:prstGeom>
+          <a:ln w="19050">
+            <a:solidFill>
+              <a:srgbClr val="00B050"/>
+            </a:solidFill>
+            <a:prstDash val="sysDash"/>
+          </a:ln>
+          <a:effectLst/>
+        </p:spPr>
+        <p:style>
+          <a:lnRef idx="1">
+            <a:schemeClr val="accent1"/>
+          </a:lnRef>
+          <a:fillRef idx="2">
+            <a:schemeClr val="accent1"/>
+          </a:fillRef>
+          <a:effectRef idx="1">
+            <a:schemeClr val="accent1"/>
+          </a:effectRef>
+          <a:fontRef idx="minor">
+            <a:schemeClr val="dk1"/>
+          </a:fontRef>
+        </p:style>
+      </p:cxnSp>
+      <p:sp>
+        <p:nvSpPr>
+          <p:cNvPr id="6" name="Rectangle 5"/>
+          <p:cNvSpPr/>
+          <p:nvPr/>
+        </p:nvSpPr>
+        <p:spPr>
+          <a:xfrm>
+            <a:off x="1080610" y="1322292"/>
+            <a:ext cx="152400" cy="1019910"/>
+          </a:xfrm>
+          <a:prstGeom prst="rect">
+            <a:avLst/>
+          </a:prstGeom>
+          <a:solidFill>
+            <a:srgbClr val="00B050"/>
+          </a:solidFill>
+          <a:ln>
+            <a:solidFill>
+              <a:srgbClr val="00B050"/>
+            </a:solidFill>
+          </a:ln>
+          <a:effectLst/>
+        </p:spPr>
+        <p:style>
+          <a:lnRef idx="1">
+            <a:schemeClr val="accent3"/>
+          </a:lnRef>
+          <a:fillRef idx="2">
+            <a:schemeClr val="accent3"/>
+          </a:fillRef>
+          <a:effectRef idx="1">
+            <a:schemeClr val="accent3"/>
+          </a:effectRef>
+          <a:fontRef idx="minor">
+            <a:schemeClr val="dk1"/>
+          </a:fontRef>
+        </p:style>
+        <p:txBody>
+          <a:bodyPr rtlCol="0" anchor="ctr"/>
+          <a:lstStyle/>
+          <a:p>
+            <a:pPr algn="ctr"/>
+            <a:endParaRPr lang="en-SG" sz="1400">
+              <a:solidFill>
+                <a:schemeClr val="dk1"/>
+              </a:solidFill>
+            </a:endParaRPr>
+          </a:p>
+        </p:txBody>
+      </p:sp>
+      <p:grpSp>
+        <p:nvGrpSpPr>
+          <p:cNvPr id="7" name="Actor"/>
+          <p:cNvGrpSpPr/>
+          <p:nvPr/>
+        </p:nvGrpSpPr>
+        <p:grpSpPr>
+          <a:xfrm>
+            <a:off x="152400" y="533400"/>
+            <a:ext cx="324036" cy="573410"/>
+            <a:chOff x="3239901" y="4149080"/>
+            <a:chExt cx="648072" cy="1146820"/>
+          </a:xfrm>
+        </p:grpSpPr>
+        <p:sp>
+          <p:nvSpPr>
+            <p:cNvPr id="8" name="Flowchart: Connector 7"/>
+            <p:cNvSpPr/>
+            <p:nvPr/>
+          </p:nvSpPr>
+          <p:spPr>
+            <a:xfrm>
+              <a:off x="3419872" y="4149080"/>
+              <a:ext cx="288032" cy="288032"/>
+            </a:xfrm>
+            <a:prstGeom prst="flowChartConnector">
+              <a:avLst/>
+            </a:prstGeom>
+            <a:solidFill>
+              <a:schemeClr val="bg1">
+                <a:lumMod val="85000"/>
+              </a:schemeClr>
+            </a:solidFill>
+            <a:ln w="28575">
+              <a:solidFill>
+                <a:schemeClr val="tx1"/>
+              </a:solidFill>
+            </a:ln>
+            <a:effectLst/>
+          </p:spPr>
+          <p:style>
+            <a:lnRef idx="1">
+              <a:schemeClr val="accent4"/>
+            </a:lnRef>
+            <a:fillRef idx="2">
+              <a:schemeClr val="accent4"/>
+            </a:fillRef>
+            <a:effectRef idx="1">
+              <a:schemeClr val="accent4"/>
+            </a:effectRef>
+            <a:fontRef idx="minor">
+              <a:schemeClr val="dk1"/>
+            </a:fontRef>
+          </p:style>
+          <p:txBody>
+            <a:bodyPr rtlCol="0" anchor="ctr"/>
+            <a:lstStyle/>
+            <a:p>
+              <a:pPr algn="ctr"/>
+              <a:endParaRPr lang="en-SG"/>
+            </a:p>
+          </p:txBody>
+        </p:sp>
+        <p:cxnSp>
+          <p:nvCxnSpPr>
+            <p:cNvPr id="9" name="Straight Connector 8"/>
+            <p:cNvCxnSpPr>
+              <a:stCxn id="8" idx="4"/>
+            </p:cNvCxnSpPr>
+            <p:nvPr/>
+          </p:nvCxnSpPr>
+          <p:spPr>
+            <a:xfrm>
+              <a:off x="3563888" y="4437112"/>
+              <a:ext cx="0" cy="504056"/>
+            </a:xfrm>
+            <a:prstGeom prst="line">
+              <a:avLst/>
+            </a:prstGeom>
+            <a:ln w="28575">
+              <a:solidFill>
+                <a:schemeClr val="tx1"/>
+              </a:solidFill>
+            </a:ln>
+            <a:effectLst/>
+          </p:spPr>
+          <p:style>
+            <a:lnRef idx="1">
+              <a:schemeClr val="accent4"/>
+            </a:lnRef>
+            <a:fillRef idx="2">
+              <a:schemeClr val="accent4"/>
+            </a:fillRef>
+            <a:effectRef idx="1">
+              <a:schemeClr val="accent4"/>
+            </a:effectRef>
+            <a:fontRef idx="minor">
+              <a:schemeClr val="dk1"/>
+            </a:fontRef>
+          </p:style>
+        </p:cxnSp>
+        <p:sp>
+          <p:nvSpPr>
+            <p:cNvPr id="10" name="Freeform 9"/>
+            <p:cNvSpPr/>
+            <p:nvPr/>
+          </p:nvSpPr>
+          <p:spPr>
+            <a:xfrm>
+              <a:off x="3324225" y="4933950"/>
+              <a:ext cx="479425" cy="361950"/>
+            </a:xfrm>
+            <a:custGeom>
+              <a:avLst/>
+              <a:gdLst>
+                <a:gd name="connsiteX0" fmla="*/ 0 w 479425"/>
+                <a:gd name="connsiteY0" fmla="*/ 355600 h 361950"/>
+                <a:gd name="connsiteX1" fmla="*/ 241300 w 479425"/>
+                <a:gd name="connsiteY1" fmla="*/ 0 h 361950"/>
+                <a:gd name="connsiteX2" fmla="*/ 479425 w 479425"/>
+                <a:gd name="connsiteY2" fmla="*/ 361950 h 361950"/>
+              </a:gdLst>
+              <a:ahLst/>
+              <a:cxnLst>
+                <a:cxn ang="0">
+                  <a:pos x="connsiteX0" y="connsiteY0"/>
+                </a:cxn>
+                <a:cxn ang="0">
+                  <a:pos x="connsiteX1" y="connsiteY1"/>
+                </a:cxn>
+                <a:cxn ang="0">
+                  <a:pos x="connsiteX2" y="connsiteY2"/>
+                </a:cxn>
+              </a:cxnLst>
+              <a:rect l="l" t="t" r="r" b="b"/>
+              <a:pathLst>
+                <a:path w="479425" h="361950">
+                  <a:moveTo>
+                    <a:pt x="0" y="355600"/>
+                  </a:moveTo>
+                  <a:lnTo>
+                    <a:pt x="241300" y="0"/>
+                  </a:lnTo>
+                  <a:lnTo>
+                    <a:pt x="479425" y="361950"/>
+                  </a:lnTo>
+                </a:path>
+              </a:pathLst>
+            </a:custGeom>
+            <a:noFill/>
+            <a:ln w="28575">
+              <a:solidFill>
+                <a:schemeClr val="tx1"/>
+              </a:solidFill>
+            </a:ln>
+            <a:effectLst/>
+          </p:spPr>
+          <p:style>
+            <a:lnRef idx="1">
+              <a:schemeClr val="accent4"/>
+            </a:lnRef>
+            <a:fillRef idx="2">
+              <a:schemeClr val="accent4"/>
+            </a:fillRef>
+            <a:effectRef idx="1">
+              <a:schemeClr val="accent4"/>
+            </a:effectRef>
+            <a:fontRef idx="minor">
+              <a:schemeClr val="dk1"/>
+            </a:fontRef>
+          </p:style>
+          <p:txBody>
+            <a:bodyPr rtlCol="0" anchor="ctr"/>
+            <a:lstStyle/>
+            <a:p>
+              <a:pPr algn="ctr"/>
+              <a:endParaRPr lang="en-SG"/>
+            </a:p>
+          </p:txBody>
+        </p:sp>
+        <p:cxnSp>
+          <p:nvCxnSpPr>
+            <p:cNvPr id="11" name="Straight Connector 10"/>
+            <p:cNvCxnSpPr/>
+            <p:nvPr/>
+          </p:nvCxnSpPr>
+          <p:spPr>
+            <a:xfrm>
+              <a:off x="3239901" y="4509120"/>
+              <a:ext cx="648072" cy="0"/>
+            </a:xfrm>
+            <a:prstGeom prst="line">
+              <a:avLst/>
+            </a:prstGeom>
+            <a:ln w="28575">
+              <a:solidFill>
+                <a:schemeClr val="tx1"/>
+              </a:solidFill>
+            </a:ln>
+            <a:effectLst/>
+          </p:spPr>
+          <p:style>
+            <a:lnRef idx="1">
+              <a:schemeClr val="accent4"/>
+            </a:lnRef>
+            <a:fillRef idx="2">
+              <a:schemeClr val="accent4"/>
+            </a:fillRef>
+            <a:effectRef idx="1">
+              <a:schemeClr val="accent4"/>
+            </a:effectRef>
+            <a:fontRef idx="minor">
+              <a:schemeClr val="dk1"/>
+            </a:fontRef>
+          </p:style>
+        </p:cxnSp>
+      </p:grpSp>
+      <p:sp>
+        <p:nvSpPr>
+          <p:cNvPr id="16" name="Rectangle 62"/>
+          <p:cNvSpPr/>
+          <p:nvPr/>
+        </p:nvSpPr>
+        <p:spPr>
+          <a:xfrm>
+            <a:off x="2260815" y="607926"/>
+            <a:ext cx="1361622" cy="346760"/>
+          </a:xfrm>
+          <a:prstGeom prst="rect">
+            <a:avLst/>
+          </a:prstGeom>
+          <a:solidFill>
+            <a:srgbClr val="0070C0"/>
+          </a:solidFill>
+          <a:ln w="19050">
+            <a:solidFill>
+              <a:srgbClr val="0070C0"/>
+            </a:solidFill>
+          </a:ln>
+          <a:effectLst/>
+        </p:spPr>
+        <p:style>
+          <a:lnRef idx="1">
+            <a:schemeClr val="accent2"/>
+          </a:lnRef>
+          <a:fillRef idx="2">
+            <a:schemeClr val="accent2"/>
+          </a:fillRef>
+          <a:effectRef idx="1">
+            <a:schemeClr val="accent2"/>
+          </a:effectRef>
+          <a:fontRef idx="minor">
+            <a:schemeClr val="dk1"/>
+          </a:fontRef>
+        </p:style>
+        <p:txBody>
+          <a:bodyPr rtlCol="0" anchor="ctr"/>
+          <a:lstStyle/>
+          <a:p>
+            <a:pPr algn="ctr"/>
+            <a:r>
+              <a:rPr lang="en-US" sz="1600" dirty="0" smtClean="0">
+                <a:solidFill>
+                  <a:schemeClr val="bg1"/>
+                </a:solidFill>
+              </a:rPr>
+              <a:t>:</a:t>
+            </a:r>
+            <a:r>
+              <a:rPr lang="en-US" sz="1600" dirty="0" err="1" smtClean="0">
+                <a:solidFill>
+                  <a:schemeClr val="bg1"/>
+                </a:solidFill>
+              </a:rPr>
+              <a:t>EventsCenter</a:t>
+            </a:r>
+            <a:endParaRPr lang="en-SG" sz="1600" dirty="0">
+              <a:solidFill>
+                <a:schemeClr val="bg1"/>
+              </a:solidFill>
+            </a:endParaRPr>
+          </a:p>
+        </p:txBody>
+      </p:sp>
+      <p:cxnSp>
+        <p:nvCxnSpPr>
+          <p:cNvPr id="17" name="Straight Connector 16"/>
+          <p:cNvCxnSpPr/>
+          <p:nvPr/>
+        </p:nvCxnSpPr>
+        <p:spPr>
+          <a:xfrm flipH="1">
+            <a:off x="2990143" y="988209"/>
+            <a:ext cx="20890" cy="3431391"/>
+          </a:xfrm>
+          <a:prstGeom prst="line">
+            <a:avLst/>
+          </a:prstGeom>
+          <a:ln w="19050">
+            <a:solidFill>
+              <a:srgbClr val="0070C0"/>
+            </a:solidFill>
+            <a:prstDash val="sysDash"/>
+          </a:ln>
+          <a:effectLst/>
+        </p:spPr>
+        <p:style>
+          <a:lnRef idx="1">
+            <a:schemeClr val="accent1"/>
+          </a:lnRef>
+          <a:fillRef idx="2">
+            <a:schemeClr val="accent1"/>
+          </a:fillRef>
+          <a:effectRef idx="1">
+            <a:schemeClr val="accent1"/>
+          </a:effectRef>
+          <a:fontRef idx="minor">
+            <a:schemeClr val="dk1"/>
+          </a:fontRef>
+        </p:style>
+      </p:cxnSp>
+      <p:sp>
+        <p:nvSpPr>
+          <p:cNvPr id="18" name="Rectangle 17"/>
+          <p:cNvSpPr/>
+          <p:nvPr/>
+        </p:nvSpPr>
+        <p:spPr>
+          <a:xfrm>
+            <a:off x="2926549" y="1462198"/>
+            <a:ext cx="144016" cy="832525"/>
+          </a:xfrm>
+          <a:prstGeom prst="rect">
+            <a:avLst/>
+          </a:prstGeom>
+          <a:solidFill>
+            <a:srgbClr val="0070C0"/>
+          </a:solidFill>
+          <a:ln>
+            <a:solidFill>
+              <a:srgbClr val="0070C0"/>
+            </a:solidFill>
+          </a:ln>
+          <a:effectLst/>
+        </p:spPr>
+        <p:style>
+          <a:lnRef idx="1">
+            <a:schemeClr val="accent3"/>
+          </a:lnRef>
+          <a:fillRef idx="2">
+            <a:schemeClr val="accent3"/>
+          </a:fillRef>
+          <a:effectRef idx="1">
+            <a:schemeClr val="accent3"/>
+          </a:effectRef>
+          <a:fontRef idx="minor">
+            <a:schemeClr val="dk1"/>
+          </a:fontRef>
+        </p:style>
+        <p:txBody>
+          <a:bodyPr rtlCol="0" anchor="ctr"/>
+          <a:lstStyle/>
+          <a:p>
+            <a:pPr algn="ctr"/>
+            <a:endParaRPr lang="en-SG" sz="1400">
+              <a:solidFill>
+                <a:schemeClr val="dk1"/>
+              </a:solidFill>
+            </a:endParaRPr>
+          </a:p>
+        </p:txBody>
+      </p:sp>
+      <p:sp>
+        <p:nvSpPr>
+          <p:cNvPr id="19" name="Rectangle 62"/>
+          <p:cNvSpPr/>
+          <p:nvPr/>
+        </p:nvSpPr>
+        <p:spPr>
+          <a:xfrm>
+            <a:off x="4164165" y="596572"/>
+            <a:ext cx="1093635" cy="346760"/>
+          </a:xfrm>
+          <a:prstGeom prst="rect">
+            <a:avLst/>
+          </a:prstGeom>
+          <a:solidFill>
+            <a:srgbClr val="7030A0"/>
+          </a:solidFill>
+          <a:ln w="19050">
+            <a:solidFill>
+              <a:srgbClr val="7030A0"/>
+            </a:solidFill>
+          </a:ln>
+          <a:effectLst/>
+        </p:spPr>
+        <p:style>
+          <a:lnRef idx="1">
+            <a:schemeClr val="accent2"/>
+          </a:lnRef>
+          <a:fillRef idx="2">
+            <a:schemeClr val="accent2"/>
+          </a:fillRef>
+          <a:effectRef idx="1">
+            <a:schemeClr val="accent2"/>
+          </a:effectRef>
+          <a:fontRef idx="minor">
+            <a:schemeClr val="dk1"/>
+          </a:fontRef>
+        </p:style>
+        <p:txBody>
+          <a:bodyPr rtlCol="0" anchor="ctr"/>
+          <a:lstStyle/>
+          <a:p>
+            <a:pPr algn="ctr"/>
+            <a:r>
+              <a:rPr lang="en-US" sz="1600" dirty="0" smtClean="0">
+                <a:solidFill>
+                  <a:schemeClr val="bg1"/>
+                </a:solidFill>
+              </a:rPr>
+              <a:t>:Logic</a:t>
+            </a:r>
+            <a:endParaRPr lang="en-SG" sz="1600" dirty="0">
+              <a:solidFill>
+                <a:schemeClr val="bg1"/>
+              </a:solidFill>
+            </a:endParaRPr>
+          </a:p>
+        </p:txBody>
+      </p:sp>
+      <p:cxnSp>
+        <p:nvCxnSpPr>
+          <p:cNvPr id="20" name="Straight Connector 19"/>
+          <p:cNvCxnSpPr/>
+          <p:nvPr/>
+        </p:nvCxnSpPr>
+        <p:spPr>
+          <a:xfrm>
+            <a:off x="4664446" y="954686"/>
+            <a:ext cx="5362" cy="3464914"/>
+          </a:xfrm>
+          <a:prstGeom prst="line">
+            <a:avLst/>
+          </a:prstGeom>
+          <a:ln w="19050">
+            <a:solidFill>
+              <a:srgbClr val="7030A0"/>
+            </a:solidFill>
+            <a:prstDash val="sysDash"/>
+          </a:ln>
+          <a:effectLst/>
+        </p:spPr>
+        <p:style>
+          <a:lnRef idx="1">
+            <a:schemeClr val="accent1"/>
+          </a:lnRef>
+          <a:fillRef idx="2">
+            <a:schemeClr val="accent1"/>
+          </a:fillRef>
+          <a:effectRef idx="1">
+            <a:schemeClr val="accent1"/>
+          </a:effectRef>
+          <a:fontRef idx="minor">
+            <a:schemeClr val="dk1"/>
+          </a:fontRef>
+        </p:style>
+      </p:cxnSp>
+      <p:sp>
+        <p:nvSpPr>
+          <p:cNvPr id="21" name="Rectangle 20"/>
+          <p:cNvSpPr/>
+          <p:nvPr/>
+        </p:nvSpPr>
+        <p:spPr>
+          <a:xfrm>
+            <a:off x="4610725" y="1549764"/>
+            <a:ext cx="142006" cy="651394"/>
+          </a:xfrm>
+          <a:prstGeom prst="rect">
+            <a:avLst/>
+          </a:prstGeom>
+          <a:solidFill>
+            <a:srgbClr val="7030A0"/>
+          </a:solidFill>
+          <a:ln>
+            <a:solidFill>
+              <a:srgbClr val="7030A0"/>
+            </a:solidFill>
+          </a:ln>
+          <a:effectLst/>
+        </p:spPr>
+        <p:style>
+          <a:lnRef idx="1">
+            <a:schemeClr val="accent3"/>
+          </a:lnRef>
+          <a:fillRef idx="2">
+            <a:schemeClr val="accent3"/>
+          </a:fillRef>
+          <a:effectRef idx="1">
+            <a:schemeClr val="accent3"/>
+          </a:effectRef>
+          <a:fontRef idx="minor">
+            <a:schemeClr val="dk1"/>
+          </a:fontRef>
+        </p:style>
+        <p:txBody>
+          <a:bodyPr rtlCol="0" anchor="ctr"/>
+          <a:lstStyle/>
+          <a:p>
+            <a:pPr algn="ctr"/>
+            <a:endParaRPr lang="en-SG" sz="1400">
+              <a:solidFill>
+                <a:schemeClr val="dk1"/>
+              </a:solidFill>
+            </a:endParaRPr>
+          </a:p>
+        </p:txBody>
+      </p:sp>
+      <p:cxnSp>
+        <p:nvCxnSpPr>
+          <p:cNvPr id="23" name="Straight Arrow Connector 22"/>
+          <p:cNvCxnSpPr/>
+          <p:nvPr/>
+        </p:nvCxnSpPr>
+        <p:spPr>
+          <a:xfrm flipV="1">
+            <a:off x="376638" y="1400830"/>
+            <a:ext cx="689992" cy="3687"/>
+          </a:xfrm>
+          <a:prstGeom prst="straightConnector1">
+            <a:avLst/>
+          </a:prstGeom>
+          <a:ln w="19050">
+            <a:solidFill>
+              <a:schemeClr val="tx1"/>
+            </a:solidFill>
+            <a:tailEnd type="arrow"/>
+          </a:ln>
+        </p:spPr>
+        <p:style>
+          <a:lnRef idx="1">
+            <a:schemeClr val="accent1"/>
+          </a:lnRef>
+          <a:fillRef idx="0">
+            <a:schemeClr val="accent1"/>
+          </a:fillRef>
+          <a:effectRef idx="0">
+            <a:schemeClr val="accent1"/>
+          </a:effectRef>
+          <a:fontRef idx="minor">
+            <a:schemeClr val="tx1"/>
+          </a:fontRef>
+        </p:style>
+      </p:cxnSp>
+      <p:sp>
+        <p:nvSpPr>
+          <p:cNvPr id="24" name="TextBox 23"/>
+          <p:cNvSpPr txBox="1"/>
+          <p:nvPr/>
+        </p:nvSpPr>
+        <p:spPr>
+          <a:xfrm>
+            <a:off x="331560" y="1480512"/>
+            <a:ext cx="801633" cy="161583"/>
+          </a:xfrm>
+          <a:prstGeom prst="rect">
+            <a:avLst/>
+          </a:prstGeom>
+          <a:noFill/>
+        </p:spPr>
+        <p:txBody>
+          <a:bodyPr wrap="square" lIns="0" tIns="0" rIns="0" bIns="0" rtlCol="0">
+            <a:spAutoFit/>
+          </a:bodyPr>
+          <a:lstStyle/>
+          <a:p>
+            <a:r>
+              <a:rPr lang="en-US" sz="1050" dirty="0" err="1"/>
+              <a:t>l</a:t>
+            </a:r>
+            <a:r>
+              <a:rPr lang="en-US" sz="1050" dirty="0" err="1" smtClean="0"/>
+              <a:t>inkedin_login</a:t>
+            </a:r>
+            <a:endParaRPr lang="en-US" sz="1050" dirty="0"/>
+          </a:p>
+        </p:txBody>
+      </p:sp>
+      <p:sp>
+        <p:nvSpPr>
+          <p:cNvPr id="26" name="TextBox 25"/>
+          <p:cNvSpPr txBox="1"/>
+          <p:nvPr/>
+        </p:nvSpPr>
+        <p:spPr>
+          <a:xfrm>
+            <a:off x="1309210" y="1295400"/>
+            <a:ext cx="1642292" cy="138499"/>
+          </a:xfrm>
+          <a:prstGeom prst="rect">
+            <a:avLst/>
+          </a:prstGeom>
+          <a:noFill/>
+        </p:spPr>
+        <p:txBody>
+          <a:bodyPr wrap="square" lIns="0" tIns="0" rIns="0" bIns="0" rtlCol="0">
+            <a:spAutoFit/>
+          </a:bodyPr>
+          <a:lstStyle/>
+          <a:p>
+            <a:r>
+              <a:rPr lang="en-US" sz="900" dirty="0">
+                <a:solidFill>
+                  <a:srgbClr val="0070C0"/>
+                </a:solidFill>
+              </a:rPr>
+              <a:t>p</a:t>
+            </a:r>
+            <a:r>
+              <a:rPr lang="en-US" sz="900" dirty="0" smtClean="0">
+                <a:solidFill>
+                  <a:srgbClr val="0070C0"/>
+                </a:solidFill>
+              </a:rPr>
+              <a:t>ost(“</a:t>
+            </a:r>
+            <a:r>
+              <a:rPr lang="en-US" sz="900" dirty="0" err="1" smtClean="0">
+                <a:solidFill>
+                  <a:srgbClr val="0070C0"/>
+                </a:solidFill>
+              </a:rPr>
+              <a:t>showBrowserRequestEvent</a:t>
+            </a:r>
+            <a:r>
+              <a:rPr lang="en-US" sz="900" dirty="0" smtClean="0">
+                <a:solidFill>
+                  <a:srgbClr val="0070C0"/>
+                </a:solidFill>
+              </a:rPr>
+              <a:t>”)</a:t>
+            </a:r>
+            <a:endParaRPr lang="en-US" sz="900" dirty="0">
+              <a:solidFill>
+                <a:srgbClr val="0070C0"/>
+              </a:solidFill>
+            </a:endParaRPr>
+          </a:p>
+        </p:txBody>
+      </p:sp>
+      <p:cxnSp>
+        <p:nvCxnSpPr>
+          <p:cNvPr id="28" name="Straight Arrow Connector 27"/>
+          <p:cNvCxnSpPr/>
+          <p:nvPr/>
+        </p:nvCxnSpPr>
+        <p:spPr>
+          <a:xfrm>
+            <a:off x="3101716" y="1627751"/>
+            <a:ext cx="1518371" cy="25956"/>
+          </a:xfrm>
+          <a:prstGeom prst="straightConnector1">
+            <a:avLst/>
+          </a:prstGeom>
+          <a:ln w="19050">
+            <a:solidFill>
+              <a:srgbClr val="0070C0"/>
+            </a:solidFill>
+            <a:tailEnd type="arrow"/>
+          </a:ln>
+        </p:spPr>
+        <p:style>
+          <a:lnRef idx="1">
+            <a:schemeClr val="accent1"/>
+          </a:lnRef>
+          <a:fillRef idx="0">
+            <a:schemeClr val="accent1"/>
+          </a:fillRef>
+          <a:effectRef idx="0">
+            <a:schemeClr val="accent1"/>
+          </a:effectRef>
+          <a:fontRef idx="minor">
+            <a:schemeClr val="tx1"/>
+          </a:fontRef>
+        </p:style>
+      </p:cxnSp>
+      <p:sp>
+        <p:nvSpPr>
+          <p:cNvPr id="29" name="TextBox 28"/>
+          <p:cNvSpPr txBox="1"/>
+          <p:nvPr/>
+        </p:nvSpPr>
+        <p:spPr>
+          <a:xfrm>
+            <a:off x="3114924" y="1474810"/>
+            <a:ext cx="1554884" cy="123111"/>
+          </a:xfrm>
+          <a:prstGeom prst="rect">
+            <a:avLst/>
+          </a:prstGeom>
+          <a:noFill/>
+        </p:spPr>
+        <p:txBody>
+          <a:bodyPr wrap="square" lIns="0" tIns="0" rIns="0" bIns="0" rtlCol="0">
+            <a:spAutoFit/>
+          </a:bodyPr>
+          <a:lstStyle/>
+          <a:p>
+            <a:r>
+              <a:rPr lang="en-US" sz="800" dirty="0" err="1" smtClean="0">
+                <a:solidFill>
+                  <a:srgbClr val="7030A0"/>
+                </a:solidFill>
+              </a:rPr>
+              <a:t>handleShowBrowserRequestEvent</a:t>
+            </a:r>
+            <a:r>
+              <a:rPr lang="en-US" sz="800" dirty="0" smtClean="0">
+                <a:solidFill>
+                  <a:srgbClr val="7030A0"/>
+                </a:solidFill>
+              </a:rPr>
+              <a:t>()</a:t>
+            </a:r>
+          </a:p>
+        </p:txBody>
+      </p:sp>
+      <p:cxnSp>
+        <p:nvCxnSpPr>
+          <p:cNvPr id="34" name="Straight Arrow Connector 33"/>
+          <p:cNvCxnSpPr/>
+          <p:nvPr/>
+        </p:nvCxnSpPr>
+        <p:spPr>
+          <a:xfrm>
+            <a:off x="3114924" y="1961202"/>
+            <a:ext cx="1505163" cy="5042"/>
+          </a:xfrm>
+          <a:prstGeom prst="straightConnector1">
+            <a:avLst/>
+          </a:prstGeom>
+          <a:ln w="19050">
+            <a:solidFill>
+              <a:srgbClr val="7030A0"/>
+            </a:solidFill>
+            <a:prstDash val="sysDash"/>
+            <a:headEnd type="arrow" w="med" len="med"/>
+            <a:tailEnd type="none" w="med" len="med"/>
+          </a:ln>
+        </p:spPr>
+        <p:style>
+          <a:lnRef idx="1">
+            <a:schemeClr val="accent1"/>
+          </a:lnRef>
+          <a:fillRef idx="0">
+            <a:schemeClr val="accent1"/>
+          </a:fillRef>
+          <a:effectRef idx="0">
+            <a:schemeClr val="accent1"/>
+          </a:effectRef>
+          <a:fontRef idx="minor">
+            <a:schemeClr val="tx1"/>
+          </a:fontRef>
+        </p:style>
+      </p:cxnSp>
+      <p:cxnSp>
+        <p:nvCxnSpPr>
+          <p:cNvPr id="35" name="Straight Arrow Connector 34"/>
+          <p:cNvCxnSpPr/>
+          <p:nvPr/>
+        </p:nvCxnSpPr>
+        <p:spPr>
+          <a:xfrm>
+            <a:off x="1268451" y="2137989"/>
+            <a:ext cx="1673175" cy="0"/>
+          </a:xfrm>
+          <a:prstGeom prst="straightConnector1">
+            <a:avLst/>
+          </a:prstGeom>
+          <a:ln w="19050">
+            <a:solidFill>
+              <a:srgbClr val="0070C0"/>
+            </a:solidFill>
+            <a:prstDash val="sysDash"/>
+            <a:headEnd type="arrow" w="med" len="med"/>
+            <a:tailEnd type="none" w="med" len="med"/>
+          </a:ln>
+        </p:spPr>
+        <p:style>
+          <a:lnRef idx="1">
+            <a:schemeClr val="accent1"/>
+          </a:lnRef>
+          <a:fillRef idx="0">
+            <a:schemeClr val="accent1"/>
+          </a:fillRef>
+          <a:effectRef idx="0">
+            <a:schemeClr val="accent1"/>
+          </a:effectRef>
+          <a:fontRef idx="minor">
+            <a:schemeClr val="tx1"/>
+          </a:fontRef>
+        </p:style>
+      </p:cxnSp>
+      <p:cxnSp>
+        <p:nvCxnSpPr>
+          <p:cNvPr id="37" name="Straight Arrow Connector 36"/>
+          <p:cNvCxnSpPr/>
+          <p:nvPr/>
+        </p:nvCxnSpPr>
+        <p:spPr>
+          <a:xfrm>
+            <a:off x="390618" y="2342202"/>
+            <a:ext cx="620242" cy="0"/>
+          </a:xfrm>
+          <a:prstGeom prst="straightConnector1">
+            <a:avLst/>
+          </a:prstGeom>
+          <a:ln w="19050">
+            <a:solidFill>
+              <a:srgbClr val="00B050"/>
+            </a:solidFill>
+            <a:prstDash val="sysDash"/>
+            <a:headEnd type="arrow" w="med" len="med"/>
+            <a:tailEnd type="none" w="med" len="med"/>
+          </a:ln>
+        </p:spPr>
+        <p:style>
+          <a:lnRef idx="1">
+            <a:schemeClr val="accent1"/>
+          </a:lnRef>
+          <a:fillRef idx="0">
+            <a:schemeClr val="accent1"/>
+          </a:fillRef>
+          <a:effectRef idx="0">
+            <a:schemeClr val="accent1"/>
+          </a:effectRef>
+          <a:fontRef idx="minor">
+            <a:schemeClr val="tx1"/>
+          </a:fontRef>
+        </p:style>
+      </p:cxnSp>
+      <p:sp>
+        <p:nvSpPr>
+          <p:cNvPr id="39" name="Rectangle 62"/>
+          <p:cNvSpPr/>
+          <p:nvPr/>
+        </p:nvSpPr>
+        <p:spPr>
+          <a:xfrm>
+            <a:off x="5856611" y="592050"/>
+            <a:ext cx="1371600" cy="346760"/>
+          </a:xfrm>
+          <a:prstGeom prst="rect">
+            <a:avLst/>
+          </a:prstGeom>
+          <a:solidFill>
+            <a:schemeClr val="accent5">
+              <a:lumMod val="75000"/>
+            </a:schemeClr>
+          </a:solidFill>
+          <a:ln w="19050">
+            <a:solidFill>
+              <a:schemeClr val="accent5">
+                <a:lumMod val="75000"/>
+              </a:schemeClr>
+            </a:solidFill>
+          </a:ln>
+          <a:effectLst/>
+        </p:spPr>
+        <p:style>
+          <a:lnRef idx="1">
+            <a:schemeClr val="accent2"/>
+          </a:lnRef>
+          <a:fillRef idx="2">
+            <a:schemeClr val="accent2"/>
+          </a:fillRef>
+          <a:effectRef idx="1">
+            <a:schemeClr val="accent2"/>
+          </a:effectRef>
+          <a:fontRef idx="minor">
+            <a:schemeClr val="dk1"/>
+          </a:fontRef>
+        </p:style>
+        <p:txBody>
+          <a:bodyPr rtlCol="0" anchor="ctr"/>
+          <a:lstStyle/>
+          <a:p>
+            <a:pPr algn="ctr"/>
+            <a:r>
+              <a:rPr lang="en-US" sz="1600" dirty="0" smtClean="0">
+                <a:solidFill>
+                  <a:schemeClr val="bg1"/>
+                </a:solidFill>
+              </a:rPr>
+              <a:t>:LinkedIn API</a:t>
+            </a:r>
+            <a:endParaRPr lang="en-SG" sz="1600" dirty="0">
+              <a:solidFill>
+                <a:schemeClr val="bg1"/>
+              </a:solidFill>
+            </a:endParaRPr>
+          </a:p>
+        </p:txBody>
+      </p:sp>
+      <p:cxnSp>
+        <p:nvCxnSpPr>
+          <p:cNvPr id="40" name="Straight Connector 39"/>
+          <p:cNvCxnSpPr/>
+          <p:nvPr/>
+        </p:nvCxnSpPr>
+        <p:spPr>
+          <a:xfrm>
+            <a:off x="6542411" y="927903"/>
+            <a:ext cx="15619" cy="3491697"/>
+          </a:xfrm>
+          <a:prstGeom prst="line">
+            <a:avLst/>
+          </a:prstGeom>
+          <a:ln w="19050">
+            <a:solidFill>
+              <a:schemeClr val="accent5">
+                <a:lumMod val="75000"/>
+              </a:schemeClr>
+            </a:solidFill>
+            <a:prstDash val="sysDash"/>
+          </a:ln>
+          <a:effectLst/>
+        </p:spPr>
+        <p:style>
+          <a:lnRef idx="1">
+            <a:schemeClr val="accent1"/>
+          </a:lnRef>
+          <a:fillRef idx="2">
+            <a:schemeClr val="accent1"/>
+          </a:fillRef>
+          <a:effectRef idx="1">
+            <a:schemeClr val="accent1"/>
+          </a:effectRef>
+          <a:fontRef idx="minor">
+            <a:schemeClr val="dk1"/>
+          </a:fontRef>
+        </p:style>
+      </p:cxnSp>
+      <p:sp>
+        <p:nvSpPr>
+          <p:cNvPr id="41" name="Rectangle 40"/>
+          <p:cNvSpPr/>
+          <p:nvPr/>
+        </p:nvSpPr>
+        <p:spPr>
+          <a:xfrm>
+            <a:off x="6470562" y="2442245"/>
+            <a:ext cx="145103" cy="299415"/>
+          </a:xfrm>
+          <a:prstGeom prst="rect">
+            <a:avLst/>
+          </a:prstGeom>
+          <a:solidFill>
+            <a:schemeClr val="accent5">
+              <a:lumMod val="75000"/>
+            </a:schemeClr>
+          </a:solidFill>
+          <a:ln>
+            <a:solidFill>
+              <a:schemeClr val="accent5">
+                <a:lumMod val="75000"/>
+              </a:schemeClr>
+            </a:solidFill>
+          </a:ln>
+          <a:effectLst/>
+        </p:spPr>
+        <p:style>
+          <a:lnRef idx="1">
+            <a:schemeClr val="accent3"/>
+          </a:lnRef>
+          <a:fillRef idx="2">
+            <a:schemeClr val="accent3"/>
+          </a:fillRef>
+          <a:effectRef idx="1">
+            <a:schemeClr val="accent3"/>
+          </a:effectRef>
+          <a:fontRef idx="minor">
+            <a:schemeClr val="dk1"/>
+          </a:fontRef>
+        </p:style>
+        <p:txBody>
+          <a:bodyPr rtlCol="0" anchor="ctr"/>
+          <a:lstStyle/>
+          <a:p>
+            <a:pPr algn="ctr"/>
+            <a:endParaRPr lang="en-SG" sz="1400">
+              <a:solidFill>
+                <a:schemeClr val="dk1"/>
+              </a:solidFill>
+            </a:endParaRPr>
+          </a:p>
+        </p:txBody>
+      </p:sp>
+      <p:cxnSp>
+        <p:nvCxnSpPr>
+          <p:cNvPr id="44" name="Straight Arrow Connector 43"/>
+          <p:cNvCxnSpPr>
+            <a:endCxn id="41" idx="2"/>
+          </p:cNvCxnSpPr>
+          <p:nvPr/>
+        </p:nvCxnSpPr>
+        <p:spPr>
+          <a:xfrm flipV="1">
+            <a:off x="4707869" y="2741660"/>
+            <a:ext cx="1835245" cy="48503"/>
+          </a:xfrm>
+          <a:prstGeom prst="straightConnector1">
+            <a:avLst/>
+          </a:prstGeom>
+          <a:ln w="19050">
+            <a:solidFill>
+              <a:schemeClr val="accent5">
+                <a:lumMod val="75000"/>
+              </a:schemeClr>
+            </a:solidFill>
+            <a:prstDash val="sysDash"/>
+            <a:headEnd type="arrow" w="med" len="med"/>
+            <a:tailEnd type="none" w="med" len="med"/>
+          </a:ln>
+        </p:spPr>
+        <p:style>
+          <a:lnRef idx="1">
+            <a:schemeClr val="accent1"/>
+          </a:lnRef>
+          <a:fillRef idx="0">
+            <a:schemeClr val="accent1"/>
+          </a:fillRef>
+          <a:effectRef idx="0">
+            <a:schemeClr val="accent1"/>
+          </a:effectRef>
+          <a:fontRef idx="minor">
+            <a:schemeClr val="tx1"/>
+          </a:fontRef>
+        </p:style>
+      </p:cxnSp>
+      <p:sp>
+        <p:nvSpPr>
+          <p:cNvPr id="53" name="Rectangle 62"/>
+          <p:cNvSpPr/>
+          <p:nvPr/>
+        </p:nvSpPr>
+        <p:spPr>
+          <a:xfrm>
+            <a:off x="7748904" y="588950"/>
+            <a:ext cx="1093635" cy="346760"/>
+          </a:xfrm>
+          <a:prstGeom prst="rect">
+            <a:avLst/>
+          </a:prstGeom>
+          <a:solidFill>
+            <a:schemeClr val="accent6">
+              <a:lumMod val="75000"/>
+            </a:schemeClr>
+          </a:solidFill>
+          <a:ln w="19050">
+            <a:solidFill>
+              <a:schemeClr val="accent6">
+                <a:lumMod val="75000"/>
+              </a:schemeClr>
+            </a:solidFill>
+          </a:ln>
+          <a:effectLst/>
+        </p:spPr>
+        <p:style>
+          <a:lnRef idx="1">
+            <a:schemeClr val="accent2"/>
+          </a:lnRef>
+          <a:fillRef idx="2">
+            <a:schemeClr val="accent2"/>
+          </a:fillRef>
+          <a:effectRef idx="1">
+            <a:schemeClr val="accent2"/>
+          </a:effectRef>
+          <a:fontRef idx="minor">
+            <a:schemeClr val="dk1"/>
+          </a:fontRef>
+        </p:style>
+        <p:txBody>
+          <a:bodyPr rtlCol="0" anchor="ctr"/>
+          <a:lstStyle/>
+          <a:p>
+            <a:pPr algn="ctr"/>
+            <a:r>
+              <a:rPr lang="en-US" sz="1600" dirty="0" smtClean="0">
+                <a:solidFill>
+                  <a:schemeClr val="bg1"/>
+                </a:solidFill>
+              </a:rPr>
+              <a:t>:Storage</a:t>
+            </a:r>
+            <a:endParaRPr lang="en-SG" sz="1600" dirty="0">
+              <a:solidFill>
+                <a:schemeClr val="bg1"/>
+              </a:solidFill>
+            </a:endParaRPr>
+          </a:p>
+        </p:txBody>
+      </p:sp>
+      <p:cxnSp>
+        <p:nvCxnSpPr>
+          <p:cNvPr id="54" name="Straight Connector 53"/>
+          <p:cNvCxnSpPr/>
+          <p:nvPr/>
+        </p:nvCxnSpPr>
+        <p:spPr>
+          <a:xfrm flipH="1">
+            <a:off x="8277266" y="901843"/>
+            <a:ext cx="18455" cy="3670157"/>
+          </a:xfrm>
+          <a:prstGeom prst="line">
+            <a:avLst/>
+          </a:prstGeom>
+          <a:ln w="19050">
+            <a:solidFill>
+              <a:schemeClr val="accent6">
+                <a:lumMod val="75000"/>
+              </a:schemeClr>
+            </a:solidFill>
+            <a:prstDash val="sysDash"/>
+          </a:ln>
+          <a:effectLst/>
+        </p:spPr>
+        <p:style>
+          <a:lnRef idx="1">
+            <a:schemeClr val="accent1"/>
+          </a:lnRef>
+          <a:fillRef idx="2">
+            <a:schemeClr val="accent1"/>
+          </a:fillRef>
+          <a:effectRef idx="1">
+            <a:schemeClr val="accent1"/>
+          </a:effectRef>
+          <a:fontRef idx="minor">
+            <a:schemeClr val="dk1"/>
+          </a:fontRef>
+        </p:style>
+      </p:cxnSp>
+      <p:cxnSp>
+        <p:nvCxnSpPr>
+          <p:cNvPr id="63" name="Straight Arrow Connector 62"/>
+          <p:cNvCxnSpPr/>
+          <p:nvPr/>
+        </p:nvCxnSpPr>
+        <p:spPr>
+          <a:xfrm flipH="1" flipV="1">
+            <a:off x="4636498" y="3901272"/>
+            <a:ext cx="3587853" cy="2856"/>
+          </a:xfrm>
+          <a:prstGeom prst="straightConnector1">
+            <a:avLst/>
+          </a:prstGeom>
+          <a:ln w="19050">
+            <a:solidFill>
+              <a:schemeClr val="accent6">
+                <a:lumMod val="75000"/>
+              </a:schemeClr>
+            </a:solidFill>
+            <a:prstDash val="sysDash"/>
+            <a:headEnd type="none" w="med" len="med"/>
+            <a:tailEnd type="arrow" w="med" len="med"/>
+          </a:ln>
+        </p:spPr>
+        <p:style>
+          <a:lnRef idx="1">
+            <a:schemeClr val="accent1"/>
+          </a:lnRef>
+          <a:fillRef idx="0">
+            <a:schemeClr val="accent1"/>
+          </a:fillRef>
+          <a:effectRef idx="0">
+            <a:schemeClr val="accent1"/>
+          </a:effectRef>
+          <a:fontRef idx="minor">
+            <a:schemeClr val="tx1"/>
+          </a:fontRef>
+        </p:style>
+      </p:cxnSp>
+      <p:cxnSp>
+        <p:nvCxnSpPr>
+          <p:cNvPr id="85" name="Straight Connector 84"/>
+          <p:cNvCxnSpPr/>
+          <p:nvPr/>
+        </p:nvCxnSpPr>
+        <p:spPr>
+          <a:xfrm flipH="1">
+            <a:off x="309030" y="1099672"/>
+            <a:ext cx="5388" cy="3015128"/>
+          </a:xfrm>
+          <a:prstGeom prst="line">
+            <a:avLst/>
+          </a:prstGeom>
+          <a:ln w="19050">
+            <a:solidFill>
+              <a:schemeClr val="tx1"/>
+            </a:solidFill>
+            <a:prstDash val="sysDash"/>
+          </a:ln>
+          <a:effectLst/>
+        </p:spPr>
+        <p:style>
+          <a:lnRef idx="1">
+            <a:schemeClr val="accent1"/>
+          </a:lnRef>
+          <a:fillRef idx="2">
+            <a:schemeClr val="accent1"/>
+          </a:fillRef>
+          <a:effectRef idx="1">
+            <a:schemeClr val="accent1"/>
+          </a:effectRef>
+          <a:fontRef idx="minor">
+            <a:schemeClr val="dk1"/>
+          </a:fontRef>
+        </p:style>
+      </p:cxnSp>
+      <p:cxnSp>
+        <p:nvCxnSpPr>
+          <p:cNvPr id="71" name="Straight Arrow Connector 70"/>
+          <p:cNvCxnSpPr>
+            <a:endCxn id="18" idx="0"/>
+          </p:cNvCxnSpPr>
+          <p:nvPr/>
+        </p:nvCxnSpPr>
+        <p:spPr>
+          <a:xfrm flipV="1">
+            <a:off x="1268451" y="1462198"/>
+            <a:ext cx="1730106" cy="18314"/>
+          </a:xfrm>
+          <a:prstGeom prst="straightConnector1">
+            <a:avLst/>
+          </a:prstGeom>
+          <a:ln w="19050">
+            <a:solidFill>
+              <a:srgbClr val="00B050"/>
+            </a:solidFill>
+            <a:tailEnd type="arrow"/>
+          </a:ln>
+        </p:spPr>
+        <p:style>
+          <a:lnRef idx="1">
+            <a:schemeClr val="accent1"/>
+          </a:lnRef>
+          <a:fillRef idx="0">
+            <a:schemeClr val="accent1"/>
+          </a:fillRef>
+          <a:effectRef idx="0">
+            <a:schemeClr val="accent1"/>
+          </a:effectRef>
+          <a:fontRef idx="minor">
+            <a:schemeClr val="tx1"/>
+          </a:fontRef>
+        </p:style>
+      </p:cxnSp>
+      <p:sp>
+        <p:nvSpPr>
+          <p:cNvPr id="73" name="Rectangle 72"/>
+          <p:cNvSpPr/>
+          <p:nvPr/>
+        </p:nvSpPr>
+        <p:spPr>
+          <a:xfrm>
+            <a:off x="4707869" y="1688965"/>
+            <a:ext cx="112470" cy="200936"/>
+          </a:xfrm>
+          <a:prstGeom prst="rect">
+            <a:avLst/>
+          </a:prstGeom>
+          <a:solidFill>
+            <a:srgbClr val="7030A0"/>
+          </a:solidFill>
+          <a:ln>
+            <a:solidFill>
+              <a:srgbClr val="7030A0"/>
+            </a:solidFill>
+          </a:ln>
+          <a:effectLst/>
+        </p:spPr>
+        <p:style>
+          <a:lnRef idx="1">
+            <a:schemeClr val="accent3"/>
+          </a:lnRef>
+          <a:fillRef idx="2">
+            <a:schemeClr val="accent3"/>
+          </a:fillRef>
+          <a:effectRef idx="1">
+            <a:schemeClr val="accent3"/>
+          </a:effectRef>
+          <a:fontRef idx="minor">
+            <a:schemeClr val="dk1"/>
+          </a:fontRef>
+        </p:style>
+        <p:txBody>
+          <a:bodyPr rtlCol="0" anchor="ctr"/>
+          <a:lstStyle/>
+          <a:p>
+            <a:pPr algn="ctr"/>
+            <a:endParaRPr lang="en-SG" sz="1400">
+              <a:solidFill>
+                <a:schemeClr val="dk1"/>
+              </a:solidFill>
+            </a:endParaRPr>
+          </a:p>
+        </p:txBody>
+      </p:sp>
+      <p:sp>
+        <p:nvSpPr>
+          <p:cNvPr id="76" name="Freeform 75"/>
+          <p:cNvSpPr/>
+          <p:nvPr/>
+        </p:nvSpPr>
+        <p:spPr>
+          <a:xfrm rot="2600998" flipV="1">
+            <a:off x="4841620" y="1633747"/>
+            <a:ext cx="175670" cy="80282"/>
+          </a:xfrm>
+          <a:custGeom>
+            <a:avLst/>
+            <a:gdLst>
+              <a:gd name="connsiteX0" fmla="*/ 0 w 226400"/>
+              <a:gd name="connsiteY0" fmla="*/ 32920 h 171466"/>
+              <a:gd name="connsiteX1" fmla="*/ 157018 w 226400"/>
+              <a:gd name="connsiteY1" fmla="*/ 5211 h 171466"/>
+              <a:gd name="connsiteX2" fmla="*/ 221673 w 226400"/>
+              <a:gd name="connsiteY2" fmla="*/ 125284 h 171466"/>
+              <a:gd name="connsiteX3" fmla="*/ 36945 w 226400"/>
+              <a:gd name="connsiteY3" fmla="*/ 171466 h 171466"/>
+            </a:gdLst>
+            <a:ahLst/>
+            <a:cxnLst>
+              <a:cxn ang="0">
+                <a:pos x="connsiteX0" y="connsiteY0"/>
+              </a:cxn>
+              <a:cxn ang="0">
+                <a:pos x="connsiteX1" y="connsiteY1"/>
+              </a:cxn>
+              <a:cxn ang="0">
+                <a:pos x="connsiteX2" y="connsiteY2"/>
+              </a:cxn>
+              <a:cxn ang="0">
+                <a:pos x="connsiteX3" y="connsiteY3"/>
+              </a:cxn>
+            </a:cxnLst>
+            <a:rect l="l" t="t" r="r" b="b"/>
+            <a:pathLst>
+              <a:path w="226400" h="171466">
+                <a:moveTo>
+                  <a:pt x="0" y="32920"/>
+                </a:moveTo>
+                <a:cubicBezTo>
+                  <a:pt x="60036" y="11368"/>
+                  <a:pt x="120073" y="-10183"/>
+                  <a:pt x="157018" y="5211"/>
+                </a:cubicBezTo>
+                <a:cubicBezTo>
+                  <a:pt x="193963" y="20605"/>
+                  <a:pt x="241685" y="97575"/>
+                  <a:pt x="221673" y="125284"/>
+                </a:cubicBezTo>
+                <a:cubicBezTo>
+                  <a:pt x="201661" y="152993"/>
+                  <a:pt x="119303" y="162229"/>
+                  <a:pt x="36945" y="171466"/>
+                </a:cubicBezTo>
+              </a:path>
+            </a:pathLst>
+          </a:custGeom>
+          <a:ln w="19050">
+            <a:solidFill>
+              <a:srgbClr val="7030A0"/>
+            </a:solidFill>
+            <a:headEnd type="arrow" w="med" len="med"/>
+            <a:tailEnd type="none" w="med" len="med"/>
+          </a:ln>
+        </p:spPr>
+        <p:style>
+          <a:lnRef idx="1">
+            <a:schemeClr val="accent1"/>
+          </a:lnRef>
+          <a:fillRef idx="0">
+            <a:schemeClr val="accent1"/>
+          </a:fillRef>
+          <a:effectRef idx="0">
+            <a:schemeClr val="accent1"/>
+          </a:effectRef>
+          <a:fontRef idx="minor">
+            <a:schemeClr val="tx1"/>
+          </a:fontRef>
+        </p:style>
+        <p:txBody>
+          <a:bodyPr rtlCol="0" anchor="ctr"/>
+          <a:lstStyle/>
+          <a:p>
+            <a:pPr algn="ctr"/>
+            <a:endParaRPr lang="en-SG"/>
+          </a:p>
+        </p:txBody>
+      </p:sp>
+      <p:sp>
+        <p:nvSpPr>
+          <p:cNvPr id="78" name="TextBox 77"/>
+          <p:cNvSpPr txBox="1"/>
+          <p:nvPr/>
+        </p:nvSpPr>
+        <p:spPr>
+          <a:xfrm>
+            <a:off x="4874105" y="1438192"/>
+            <a:ext cx="923110" cy="123111"/>
+          </a:xfrm>
+          <a:prstGeom prst="rect">
+            <a:avLst/>
+          </a:prstGeom>
+          <a:noFill/>
+        </p:spPr>
+        <p:txBody>
+          <a:bodyPr wrap="square" lIns="0" tIns="0" rIns="0" bIns="0" rtlCol="0">
+            <a:spAutoFit/>
+          </a:bodyPr>
+          <a:lstStyle/>
+          <a:p>
+            <a:r>
+              <a:rPr lang="en-US" sz="800" dirty="0" err="1" smtClean="0">
+                <a:solidFill>
+                  <a:srgbClr val="7030A0"/>
+                </a:solidFill>
+              </a:rPr>
+              <a:t>getLinkedInSecret</a:t>
+            </a:r>
+            <a:r>
+              <a:rPr lang="en-US" sz="800" dirty="0" smtClean="0">
+                <a:solidFill>
+                  <a:srgbClr val="7030A0"/>
+                </a:solidFill>
+              </a:rPr>
+              <a:t>()</a:t>
+            </a:r>
+          </a:p>
+        </p:txBody>
+      </p:sp>
+      <p:cxnSp>
+        <p:nvCxnSpPr>
+          <p:cNvPr id="79" name="Straight Arrow Connector 78"/>
+          <p:cNvCxnSpPr/>
+          <p:nvPr/>
+        </p:nvCxnSpPr>
+        <p:spPr>
+          <a:xfrm flipV="1">
+            <a:off x="362157" y="2497883"/>
+            <a:ext cx="6108405" cy="74590"/>
+          </a:xfrm>
+          <a:prstGeom prst="straightConnector1">
+            <a:avLst/>
+          </a:prstGeom>
+          <a:ln w="19050">
+            <a:solidFill>
+              <a:schemeClr val="tx1"/>
+            </a:solidFill>
+            <a:tailEnd type="arrow"/>
+          </a:ln>
+        </p:spPr>
+        <p:style>
+          <a:lnRef idx="1">
+            <a:schemeClr val="accent1"/>
+          </a:lnRef>
+          <a:fillRef idx="0">
+            <a:schemeClr val="accent1"/>
+          </a:fillRef>
+          <a:effectRef idx="0">
+            <a:schemeClr val="accent1"/>
+          </a:effectRef>
+          <a:fontRef idx="minor">
+            <a:schemeClr val="tx1"/>
+          </a:fontRef>
+        </p:style>
+      </p:cxnSp>
+      <p:sp>
+        <p:nvSpPr>
+          <p:cNvPr id="81" name="TextBox 80"/>
+          <p:cNvSpPr txBox="1"/>
+          <p:nvPr/>
+        </p:nvSpPr>
+        <p:spPr>
+          <a:xfrm>
+            <a:off x="376638" y="2601437"/>
+            <a:ext cx="801633" cy="323165"/>
+          </a:xfrm>
+          <a:prstGeom prst="rect">
+            <a:avLst/>
+          </a:prstGeom>
+          <a:noFill/>
+        </p:spPr>
+        <p:txBody>
+          <a:bodyPr wrap="square" lIns="0" tIns="0" rIns="0" bIns="0" rtlCol="0">
+            <a:spAutoFit/>
+          </a:bodyPr>
+          <a:lstStyle/>
+          <a:p>
+            <a:r>
+              <a:rPr lang="en-US" sz="1050" dirty="0" smtClean="0"/>
+              <a:t>Authenticates </a:t>
+            </a:r>
+            <a:r>
+              <a:rPr lang="en-US" sz="1050" dirty="0" err="1" smtClean="0"/>
+              <a:t>CRMBook</a:t>
+            </a:r>
+            <a:endParaRPr lang="en-US" sz="1050" dirty="0"/>
+          </a:p>
+        </p:txBody>
+      </p:sp>
+      <p:sp>
+        <p:nvSpPr>
+          <p:cNvPr id="91" name="TextBox 90"/>
+          <p:cNvSpPr txBox="1"/>
+          <p:nvPr/>
+        </p:nvSpPr>
+        <p:spPr>
+          <a:xfrm>
+            <a:off x="4919792" y="2560942"/>
+            <a:ext cx="1346841" cy="161583"/>
+          </a:xfrm>
+          <a:prstGeom prst="rect">
+            <a:avLst/>
+          </a:prstGeom>
+          <a:noFill/>
+        </p:spPr>
+        <p:txBody>
+          <a:bodyPr wrap="square" lIns="0" tIns="0" rIns="0" bIns="0" rtlCol="0">
+            <a:spAutoFit/>
+          </a:bodyPr>
+          <a:lstStyle/>
+          <a:p>
+            <a:r>
+              <a:rPr lang="en-US" sz="1050" dirty="0" smtClean="0">
+                <a:solidFill>
+                  <a:schemeClr val="accent5">
+                    <a:lumMod val="75000"/>
+                  </a:schemeClr>
+                </a:solidFill>
+              </a:rPr>
+              <a:t>Send authorization code</a:t>
+            </a:r>
+            <a:endParaRPr lang="en-US" sz="1050" dirty="0">
+              <a:solidFill>
+                <a:schemeClr val="accent5">
+                  <a:lumMod val="75000"/>
+                </a:schemeClr>
+              </a:solidFill>
+            </a:endParaRPr>
+          </a:p>
+        </p:txBody>
+      </p:sp>
+      <p:sp>
+        <p:nvSpPr>
+          <p:cNvPr id="92" name="Rectangle 91"/>
+          <p:cNvSpPr/>
+          <p:nvPr/>
+        </p:nvSpPr>
+        <p:spPr>
+          <a:xfrm>
+            <a:off x="4505869" y="2649076"/>
+            <a:ext cx="199559" cy="1389524"/>
+          </a:xfrm>
+          <a:prstGeom prst="rect">
+            <a:avLst/>
+          </a:prstGeom>
+          <a:solidFill>
+            <a:srgbClr val="7030A0"/>
+          </a:solidFill>
+          <a:ln>
+            <a:solidFill>
+              <a:srgbClr val="7030A0"/>
+            </a:solidFill>
+          </a:ln>
+          <a:effectLst/>
+        </p:spPr>
+        <p:style>
+          <a:lnRef idx="1">
+            <a:schemeClr val="accent3"/>
+          </a:lnRef>
+          <a:fillRef idx="2">
+            <a:schemeClr val="accent3"/>
+          </a:fillRef>
+          <a:effectRef idx="1">
+            <a:schemeClr val="accent3"/>
+          </a:effectRef>
+          <a:fontRef idx="minor">
+            <a:schemeClr val="dk1"/>
+          </a:fontRef>
+        </p:style>
+        <p:txBody>
+          <a:bodyPr rtlCol="0" anchor="ctr"/>
+          <a:lstStyle/>
+          <a:p>
+            <a:pPr algn="ctr"/>
+            <a:endParaRPr lang="en-SG" sz="1400">
+              <a:solidFill>
+                <a:schemeClr val="dk1"/>
+              </a:solidFill>
+            </a:endParaRPr>
+          </a:p>
+        </p:txBody>
+      </p:sp>
+      <p:cxnSp>
+        <p:nvCxnSpPr>
+          <p:cNvPr id="94" name="Straight Arrow Connector 93"/>
+          <p:cNvCxnSpPr>
+            <a:endCxn id="126" idx="1"/>
+          </p:cNvCxnSpPr>
+          <p:nvPr/>
+        </p:nvCxnSpPr>
+        <p:spPr>
+          <a:xfrm>
+            <a:off x="4664446" y="3381847"/>
+            <a:ext cx="1796847" cy="23339"/>
+          </a:xfrm>
+          <a:prstGeom prst="straightConnector1">
+            <a:avLst/>
+          </a:prstGeom>
+          <a:ln w="19050">
+            <a:solidFill>
+              <a:srgbClr val="7030A0"/>
+            </a:solidFill>
+            <a:tailEnd type="arrow"/>
+          </a:ln>
+        </p:spPr>
+        <p:style>
+          <a:lnRef idx="1">
+            <a:schemeClr val="accent1"/>
+          </a:lnRef>
+          <a:fillRef idx="0">
+            <a:schemeClr val="accent1"/>
+          </a:fillRef>
+          <a:effectRef idx="0">
+            <a:schemeClr val="accent1"/>
+          </a:effectRef>
+          <a:fontRef idx="minor">
+            <a:schemeClr val="tx1"/>
+          </a:fontRef>
+        </p:style>
+      </p:cxnSp>
+      <p:sp>
+        <p:nvSpPr>
+          <p:cNvPr id="102" name="Rectangle 101"/>
+          <p:cNvSpPr/>
+          <p:nvPr/>
+        </p:nvSpPr>
+        <p:spPr>
+          <a:xfrm>
+            <a:off x="8277266" y="3598791"/>
+            <a:ext cx="124478" cy="287409"/>
+          </a:xfrm>
+          <a:prstGeom prst="rect">
+            <a:avLst/>
+          </a:prstGeom>
+          <a:solidFill>
+            <a:schemeClr val="accent6">
+              <a:lumMod val="75000"/>
+            </a:schemeClr>
+          </a:solidFill>
+          <a:ln>
+            <a:solidFill>
+              <a:schemeClr val="accent6">
+                <a:lumMod val="75000"/>
+              </a:schemeClr>
+            </a:solidFill>
+          </a:ln>
+          <a:effectLst/>
+        </p:spPr>
+        <p:style>
+          <a:lnRef idx="1">
+            <a:schemeClr val="accent3"/>
+          </a:lnRef>
+          <a:fillRef idx="2">
+            <a:schemeClr val="accent3"/>
+          </a:fillRef>
+          <a:effectRef idx="1">
+            <a:schemeClr val="accent3"/>
+          </a:effectRef>
+          <a:fontRef idx="minor">
+            <a:schemeClr val="dk1"/>
+          </a:fontRef>
+        </p:style>
+        <p:txBody>
+          <a:bodyPr rtlCol="0" anchor="ctr"/>
+          <a:lstStyle/>
+          <a:p>
+            <a:pPr algn="ctr"/>
+            <a:endParaRPr lang="en-SG" sz="1400">
+              <a:solidFill>
+                <a:schemeClr val="dk1"/>
+              </a:solidFill>
+            </a:endParaRPr>
+          </a:p>
+        </p:txBody>
+      </p:sp>
+      <p:grpSp>
+        <p:nvGrpSpPr>
+          <p:cNvPr id="103" name="Group 102"/>
+          <p:cNvGrpSpPr/>
+          <p:nvPr/>
+        </p:nvGrpSpPr>
+        <p:grpSpPr>
+          <a:xfrm flipH="1">
+            <a:off x="8369121" y="3539928"/>
+            <a:ext cx="217349" cy="270072"/>
+            <a:chOff x="1028134" y="5612032"/>
+            <a:chExt cx="217349" cy="270072"/>
+          </a:xfrm>
+        </p:grpSpPr>
+        <p:sp>
+          <p:nvSpPr>
+            <p:cNvPr id="104" name="Freeform 103"/>
+            <p:cNvSpPr/>
+            <p:nvPr/>
+          </p:nvSpPr>
+          <p:spPr>
+            <a:xfrm rot="2600998" flipH="1" flipV="1">
+              <a:off x="1028134" y="5612032"/>
+              <a:ext cx="167452" cy="116880"/>
+            </a:xfrm>
+            <a:custGeom>
+              <a:avLst/>
+              <a:gdLst>
+                <a:gd name="connsiteX0" fmla="*/ 0 w 226400"/>
+                <a:gd name="connsiteY0" fmla="*/ 32920 h 171466"/>
+                <a:gd name="connsiteX1" fmla="*/ 157018 w 226400"/>
+                <a:gd name="connsiteY1" fmla="*/ 5211 h 171466"/>
+                <a:gd name="connsiteX2" fmla="*/ 221673 w 226400"/>
+                <a:gd name="connsiteY2" fmla="*/ 125284 h 171466"/>
+                <a:gd name="connsiteX3" fmla="*/ 36945 w 226400"/>
+                <a:gd name="connsiteY3" fmla="*/ 171466 h 171466"/>
+              </a:gdLst>
+              <a:ahLst/>
+              <a:cxnLst>
+                <a:cxn ang="0">
+                  <a:pos x="connsiteX0" y="connsiteY0"/>
+                </a:cxn>
+                <a:cxn ang="0">
+                  <a:pos x="connsiteX1" y="connsiteY1"/>
+                </a:cxn>
+                <a:cxn ang="0">
+                  <a:pos x="connsiteX2" y="connsiteY2"/>
+                </a:cxn>
+                <a:cxn ang="0">
+                  <a:pos x="connsiteX3" y="connsiteY3"/>
+                </a:cxn>
+              </a:cxnLst>
+              <a:rect l="l" t="t" r="r" b="b"/>
+              <a:pathLst>
+                <a:path w="226400" h="171466">
+                  <a:moveTo>
+                    <a:pt x="0" y="32920"/>
+                  </a:moveTo>
+                  <a:cubicBezTo>
+                    <a:pt x="60036" y="11368"/>
+                    <a:pt x="120073" y="-10183"/>
+                    <a:pt x="157018" y="5211"/>
+                  </a:cubicBezTo>
+                  <a:cubicBezTo>
+                    <a:pt x="193963" y="20605"/>
+                    <a:pt x="241685" y="97575"/>
+                    <a:pt x="221673" y="125284"/>
+                  </a:cubicBezTo>
+                  <a:cubicBezTo>
+                    <a:pt x="201661" y="152993"/>
+                    <a:pt x="119303" y="162229"/>
+                    <a:pt x="36945" y="171466"/>
+                  </a:cubicBezTo>
+                </a:path>
+              </a:pathLst>
+            </a:custGeom>
+            <a:ln w="19050">
+              <a:solidFill>
+                <a:schemeClr val="accent6">
+                  <a:lumMod val="75000"/>
+                </a:schemeClr>
+              </a:solidFill>
+              <a:headEnd type="arrow" w="med" len="med"/>
+              <a:tailEnd type="none" w="med" len="med"/>
+            </a:ln>
+          </p:spPr>
+          <p:style>
+            <a:lnRef idx="1">
+              <a:schemeClr val="accent1"/>
+            </a:lnRef>
+            <a:fillRef idx="0">
+              <a:schemeClr val="accent1"/>
+            </a:fillRef>
+            <a:effectRef idx="0">
+              <a:schemeClr val="accent1"/>
+            </a:effectRef>
+            <a:fontRef idx="minor">
+              <a:schemeClr val="tx1"/>
+            </a:fontRef>
+          </p:style>
+          <p:txBody>
+            <a:bodyPr rtlCol="0" anchor="ctr"/>
+            <a:lstStyle/>
+            <a:p>
+              <a:pPr algn="ctr"/>
+              <a:endParaRPr lang="en-SG"/>
+            </a:p>
+          </p:txBody>
+        </p:sp>
+        <p:sp>
+          <p:nvSpPr>
+            <p:cNvPr id="105" name="Rectangle 104"/>
+            <p:cNvSpPr/>
+            <p:nvPr/>
+          </p:nvSpPr>
+          <p:spPr>
+            <a:xfrm>
+              <a:off x="1147403" y="5712513"/>
+              <a:ext cx="98080" cy="169591"/>
+            </a:xfrm>
+            <a:prstGeom prst="rect">
+              <a:avLst/>
+            </a:prstGeom>
+            <a:solidFill>
+              <a:schemeClr val="accent6">
+                <a:lumMod val="75000"/>
+              </a:schemeClr>
+            </a:solidFill>
+            <a:ln>
+              <a:solidFill>
+                <a:schemeClr val="bg1"/>
+              </a:solidFill>
+            </a:ln>
+            <a:effectLst/>
+          </p:spPr>
+          <p:style>
+            <a:lnRef idx="1">
+              <a:schemeClr val="accent3"/>
+            </a:lnRef>
+            <a:fillRef idx="2">
+              <a:schemeClr val="accent3"/>
+            </a:fillRef>
+            <a:effectRef idx="1">
+              <a:schemeClr val="accent3"/>
+            </a:effectRef>
+            <a:fontRef idx="minor">
+              <a:schemeClr val="dk1"/>
+            </a:fontRef>
+          </p:style>
+          <p:txBody>
+            <a:bodyPr rtlCol="0" anchor="ctr"/>
+            <a:lstStyle/>
+            <a:p>
+              <a:pPr algn="ctr"/>
+              <a:endParaRPr lang="en-SG" sz="1400">
+                <a:solidFill>
+                  <a:schemeClr val="dk1"/>
+                </a:solidFill>
+              </a:endParaRPr>
+            </a:p>
+          </p:txBody>
+        </p:sp>
+      </p:grpSp>
+      <p:sp>
+        <p:nvSpPr>
+          <p:cNvPr id="106" name="TextBox 105"/>
+          <p:cNvSpPr txBox="1"/>
+          <p:nvPr/>
+        </p:nvSpPr>
+        <p:spPr>
+          <a:xfrm>
+            <a:off x="8656232" y="3379113"/>
+            <a:ext cx="539047" cy="430887"/>
+          </a:xfrm>
+          <a:prstGeom prst="rect">
+            <a:avLst/>
+          </a:prstGeom>
+          <a:noFill/>
+        </p:spPr>
+        <p:txBody>
+          <a:bodyPr wrap="square" lIns="0" tIns="0" rIns="0" bIns="0" rtlCol="0">
+            <a:spAutoFit/>
+          </a:bodyPr>
+          <a:lstStyle/>
+          <a:p>
+            <a:r>
+              <a:rPr lang="en-US" sz="1400" dirty="0" smtClean="0">
+                <a:solidFill>
+                  <a:schemeClr val="accent6">
+                    <a:lumMod val="75000"/>
+                  </a:schemeClr>
+                </a:solidFill>
+              </a:rPr>
+              <a:t>Save </a:t>
+            </a:r>
+            <a:br>
+              <a:rPr lang="en-US" sz="1400" dirty="0" smtClean="0">
+                <a:solidFill>
+                  <a:schemeClr val="accent6">
+                    <a:lumMod val="75000"/>
+                  </a:schemeClr>
+                </a:solidFill>
+              </a:rPr>
+            </a:br>
+            <a:r>
+              <a:rPr lang="en-US" sz="1400" dirty="0" smtClean="0">
+                <a:solidFill>
+                  <a:schemeClr val="accent6">
+                    <a:lumMod val="75000"/>
+                  </a:schemeClr>
+                </a:solidFill>
+              </a:rPr>
+              <a:t>to file</a:t>
+            </a:r>
+            <a:endParaRPr lang="en-US" sz="1400" dirty="0">
+              <a:solidFill>
+                <a:schemeClr val="accent6">
+                  <a:lumMod val="75000"/>
+                </a:schemeClr>
+              </a:solidFill>
+            </a:endParaRPr>
+          </a:p>
+        </p:txBody>
+      </p:sp>
+      <p:cxnSp>
+        <p:nvCxnSpPr>
+          <p:cNvPr id="110" name="Straight Arrow Connector 109"/>
+          <p:cNvCxnSpPr/>
+          <p:nvPr/>
+        </p:nvCxnSpPr>
+        <p:spPr>
+          <a:xfrm flipH="1">
+            <a:off x="3088938" y="3034161"/>
+            <a:ext cx="1416932" cy="8867"/>
+          </a:xfrm>
+          <a:prstGeom prst="straightConnector1">
+            <a:avLst/>
+          </a:prstGeom>
+          <a:ln w="19050">
+            <a:solidFill>
+              <a:srgbClr val="7030A0"/>
+            </a:solidFill>
+            <a:tailEnd type="arrow"/>
+          </a:ln>
+        </p:spPr>
+        <p:style>
+          <a:lnRef idx="1">
+            <a:schemeClr val="accent1"/>
+          </a:lnRef>
+          <a:fillRef idx="0">
+            <a:schemeClr val="accent1"/>
+          </a:fillRef>
+          <a:effectRef idx="0">
+            <a:schemeClr val="accent1"/>
+          </a:effectRef>
+          <a:fontRef idx="minor">
+            <a:schemeClr val="tx1"/>
+          </a:fontRef>
+        </p:style>
+      </p:cxnSp>
+      <p:sp>
+        <p:nvSpPr>
+          <p:cNvPr id="112" name="Rectangle 111"/>
+          <p:cNvSpPr/>
+          <p:nvPr/>
+        </p:nvSpPr>
+        <p:spPr>
+          <a:xfrm>
+            <a:off x="2915038" y="2984097"/>
+            <a:ext cx="150799" cy="421013"/>
+          </a:xfrm>
+          <a:prstGeom prst="rect">
+            <a:avLst/>
+          </a:prstGeom>
+          <a:solidFill>
+            <a:srgbClr val="0070C0"/>
+          </a:solidFill>
+          <a:ln>
+            <a:solidFill>
+              <a:srgbClr val="0070C0"/>
+            </a:solidFill>
+          </a:ln>
+          <a:effectLst/>
+        </p:spPr>
+        <p:style>
+          <a:lnRef idx="1">
+            <a:schemeClr val="accent3"/>
+          </a:lnRef>
+          <a:fillRef idx="2">
+            <a:schemeClr val="accent3"/>
+          </a:fillRef>
+          <a:effectRef idx="1">
+            <a:schemeClr val="accent3"/>
+          </a:effectRef>
+          <a:fontRef idx="minor">
+            <a:schemeClr val="dk1"/>
+          </a:fontRef>
+        </p:style>
+        <p:txBody>
+          <a:bodyPr rtlCol="0" anchor="ctr"/>
+          <a:lstStyle/>
+          <a:p>
+            <a:pPr algn="ctr"/>
+            <a:endParaRPr lang="en-SG" sz="1400">
+              <a:solidFill>
+                <a:schemeClr val="dk1"/>
+              </a:solidFill>
+            </a:endParaRPr>
+          </a:p>
+        </p:txBody>
+      </p:sp>
+      <p:sp>
+        <p:nvSpPr>
+          <p:cNvPr id="114" name="TextBox 113"/>
+          <p:cNvSpPr txBox="1"/>
+          <p:nvPr/>
+        </p:nvSpPr>
+        <p:spPr>
+          <a:xfrm>
+            <a:off x="3169308" y="2787940"/>
+            <a:ext cx="1240772" cy="246221"/>
+          </a:xfrm>
+          <a:prstGeom prst="rect">
+            <a:avLst/>
+          </a:prstGeom>
+          <a:noFill/>
+        </p:spPr>
+        <p:txBody>
+          <a:bodyPr wrap="square" lIns="0" tIns="0" rIns="0" bIns="0" rtlCol="0">
+            <a:spAutoFit/>
+          </a:bodyPr>
+          <a:lstStyle/>
+          <a:p>
+            <a:r>
+              <a:rPr lang="en-US" sz="800" dirty="0" smtClean="0">
+                <a:solidFill>
+                  <a:srgbClr val="7030A0"/>
+                </a:solidFill>
+              </a:rPr>
+              <a:t>Post(“</a:t>
+            </a:r>
+            <a:r>
+              <a:rPr lang="en-US" sz="800" dirty="0" err="1" smtClean="0">
+                <a:solidFill>
+                  <a:srgbClr val="7030A0"/>
+                </a:solidFill>
+              </a:rPr>
+              <a:t>HideBrowserRequest</a:t>
+            </a:r>
+            <a:r>
+              <a:rPr lang="en-US" sz="800" dirty="0" smtClean="0">
+                <a:solidFill>
+                  <a:srgbClr val="7030A0"/>
+                </a:solidFill>
+              </a:rPr>
+              <a:t/>
+            </a:r>
+            <a:br>
+              <a:rPr lang="en-US" sz="800" dirty="0" smtClean="0">
+                <a:solidFill>
+                  <a:srgbClr val="7030A0"/>
+                </a:solidFill>
+              </a:rPr>
+            </a:br>
+            <a:r>
+              <a:rPr lang="en-US" sz="800" dirty="0" smtClean="0">
+                <a:solidFill>
+                  <a:srgbClr val="7030A0"/>
+                </a:solidFill>
+              </a:rPr>
+              <a:t>Event”)</a:t>
+            </a:r>
+          </a:p>
+        </p:txBody>
+      </p:sp>
+      <p:cxnSp>
+        <p:nvCxnSpPr>
+          <p:cNvPr id="115" name="Straight Arrow Connector 114"/>
+          <p:cNvCxnSpPr>
+            <a:stCxn id="112" idx="1"/>
+          </p:cNvCxnSpPr>
+          <p:nvPr/>
+        </p:nvCxnSpPr>
+        <p:spPr>
+          <a:xfrm flipH="1">
+            <a:off x="1189433" y="3194604"/>
+            <a:ext cx="1725605" cy="7789"/>
+          </a:xfrm>
+          <a:prstGeom prst="straightConnector1">
+            <a:avLst/>
+          </a:prstGeom>
+          <a:ln w="19050">
+            <a:solidFill>
+              <a:srgbClr val="0070C0"/>
+            </a:solidFill>
+            <a:tailEnd type="arrow"/>
+          </a:ln>
+        </p:spPr>
+        <p:style>
+          <a:lnRef idx="1">
+            <a:schemeClr val="accent1"/>
+          </a:lnRef>
+          <a:fillRef idx="0">
+            <a:schemeClr val="accent1"/>
+          </a:fillRef>
+          <a:effectRef idx="0">
+            <a:schemeClr val="accent1"/>
+          </a:effectRef>
+          <a:fontRef idx="minor">
+            <a:schemeClr val="tx1"/>
+          </a:fontRef>
+        </p:style>
+      </p:cxnSp>
+      <p:sp>
+        <p:nvSpPr>
+          <p:cNvPr id="119" name="Rectangle 118"/>
+          <p:cNvSpPr/>
+          <p:nvPr/>
+        </p:nvSpPr>
+        <p:spPr>
+          <a:xfrm>
+            <a:off x="1055405" y="3070243"/>
+            <a:ext cx="163680" cy="519601"/>
+          </a:xfrm>
+          <a:prstGeom prst="rect">
+            <a:avLst/>
+          </a:prstGeom>
+          <a:solidFill>
+            <a:srgbClr val="00B050"/>
+          </a:solidFill>
+          <a:ln>
+            <a:solidFill>
+              <a:srgbClr val="00B050"/>
+            </a:solidFill>
+          </a:ln>
+          <a:effectLst/>
+        </p:spPr>
+        <p:style>
+          <a:lnRef idx="1">
+            <a:schemeClr val="accent3"/>
+          </a:lnRef>
+          <a:fillRef idx="2">
+            <a:schemeClr val="accent3"/>
+          </a:fillRef>
+          <a:effectRef idx="1">
+            <a:schemeClr val="accent3"/>
+          </a:effectRef>
+          <a:fontRef idx="minor">
+            <a:schemeClr val="dk1"/>
+          </a:fontRef>
+        </p:style>
+        <p:txBody>
+          <a:bodyPr rtlCol="0" anchor="ctr"/>
+          <a:lstStyle/>
+          <a:p>
+            <a:pPr algn="ctr"/>
+            <a:endParaRPr lang="en-SG" sz="1400">
+              <a:solidFill>
+                <a:schemeClr val="dk1"/>
+              </a:solidFill>
+            </a:endParaRPr>
+          </a:p>
+        </p:txBody>
+      </p:sp>
+      <p:sp>
+        <p:nvSpPr>
+          <p:cNvPr id="120" name="TextBox 119"/>
+          <p:cNvSpPr txBox="1"/>
+          <p:nvPr/>
+        </p:nvSpPr>
+        <p:spPr>
+          <a:xfrm>
+            <a:off x="1271651" y="3012012"/>
+            <a:ext cx="1642292" cy="138499"/>
+          </a:xfrm>
+          <a:prstGeom prst="rect">
+            <a:avLst/>
+          </a:prstGeom>
+          <a:noFill/>
+        </p:spPr>
+        <p:txBody>
+          <a:bodyPr wrap="square" lIns="0" tIns="0" rIns="0" bIns="0" rtlCol="0">
+            <a:spAutoFit/>
+          </a:bodyPr>
+          <a:lstStyle/>
+          <a:p>
+            <a:r>
+              <a:rPr lang="en-US" sz="900" dirty="0" err="1" smtClean="0">
+                <a:solidFill>
+                  <a:srgbClr val="0070C0"/>
+                </a:solidFill>
+              </a:rPr>
+              <a:t>HandlehideBrowserRequestEvent</a:t>
+            </a:r>
+            <a:r>
+              <a:rPr lang="en-US" sz="900" dirty="0" smtClean="0">
+                <a:solidFill>
+                  <a:srgbClr val="0070C0"/>
+                </a:solidFill>
+              </a:rPr>
+              <a:t>()</a:t>
+            </a:r>
+            <a:endParaRPr lang="en-US" sz="900" dirty="0">
+              <a:solidFill>
+                <a:srgbClr val="0070C0"/>
+              </a:solidFill>
+            </a:endParaRPr>
+          </a:p>
+        </p:txBody>
+      </p:sp>
+      <p:sp>
+        <p:nvSpPr>
+          <p:cNvPr id="121" name="Rectangle 120"/>
+          <p:cNvSpPr/>
+          <p:nvPr/>
+        </p:nvSpPr>
+        <p:spPr>
+          <a:xfrm>
+            <a:off x="4670919" y="3067705"/>
+            <a:ext cx="112470" cy="200936"/>
+          </a:xfrm>
+          <a:prstGeom prst="rect">
+            <a:avLst/>
+          </a:prstGeom>
+          <a:solidFill>
+            <a:srgbClr val="7030A0"/>
+          </a:solidFill>
+          <a:ln>
+            <a:solidFill>
+              <a:srgbClr val="7030A0"/>
+            </a:solidFill>
+          </a:ln>
+          <a:effectLst/>
+        </p:spPr>
+        <p:style>
+          <a:lnRef idx="1">
+            <a:schemeClr val="accent3"/>
+          </a:lnRef>
+          <a:fillRef idx="2">
+            <a:schemeClr val="accent3"/>
+          </a:fillRef>
+          <a:effectRef idx="1">
+            <a:schemeClr val="accent3"/>
+          </a:effectRef>
+          <a:fontRef idx="minor">
+            <a:schemeClr val="dk1"/>
+          </a:fontRef>
+        </p:style>
+        <p:txBody>
+          <a:bodyPr rtlCol="0" anchor="ctr"/>
+          <a:lstStyle/>
+          <a:p>
+            <a:pPr algn="ctr"/>
+            <a:endParaRPr lang="en-SG" sz="1400">
+              <a:solidFill>
+                <a:schemeClr val="dk1"/>
+              </a:solidFill>
+            </a:endParaRPr>
+          </a:p>
+        </p:txBody>
+      </p:sp>
+      <p:sp>
+        <p:nvSpPr>
+          <p:cNvPr id="122" name="Freeform 121"/>
+          <p:cNvSpPr/>
+          <p:nvPr/>
+        </p:nvSpPr>
+        <p:spPr>
+          <a:xfrm rot="2600998" flipV="1">
+            <a:off x="4883714" y="3010754"/>
+            <a:ext cx="175670" cy="80282"/>
+          </a:xfrm>
+          <a:custGeom>
+            <a:avLst/>
+            <a:gdLst>
+              <a:gd name="connsiteX0" fmla="*/ 0 w 226400"/>
+              <a:gd name="connsiteY0" fmla="*/ 32920 h 171466"/>
+              <a:gd name="connsiteX1" fmla="*/ 157018 w 226400"/>
+              <a:gd name="connsiteY1" fmla="*/ 5211 h 171466"/>
+              <a:gd name="connsiteX2" fmla="*/ 221673 w 226400"/>
+              <a:gd name="connsiteY2" fmla="*/ 125284 h 171466"/>
+              <a:gd name="connsiteX3" fmla="*/ 36945 w 226400"/>
+              <a:gd name="connsiteY3" fmla="*/ 171466 h 171466"/>
+            </a:gdLst>
+            <a:ahLst/>
+            <a:cxnLst>
+              <a:cxn ang="0">
+                <a:pos x="connsiteX0" y="connsiteY0"/>
+              </a:cxn>
+              <a:cxn ang="0">
+                <a:pos x="connsiteX1" y="connsiteY1"/>
+              </a:cxn>
+              <a:cxn ang="0">
+                <a:pos x="connsiteX2" y="connsiteY2"/>
+              </a:cxn>
+              <a:cxn ang="0">
+                <a:pos x="connsiteX3" y="connsiteY3"/>
+              </a:cxn>
+            </a:cxnLst>
+            <a:rect l="l" t="t" r="r" b="b"/>
+            <a:pathLst>
+              <a:path w="226400" h="171466">
+                <a:moveTo>
+                  <a:pt x="0" y="32920"/>
+                </a:moveTo>
+                <a:cubicBezTo>
+                  <a:pt x="60036" y="11368"/>
+                  <a:pt x="120073" y="-10183"/>
+                  <a:pt x="157018" y="5211"/>
+                </a:cubicBezTo>
+                <a:cubicBezTo>
+                  <a:pt x="193963" y="20605"/>
+                  <a:pt x="241685" y="97575"/>
+                  <a:pt x="221673" y="125284"/>
+                </a:cubicBezTo>
+                <a:cubicBezTo>
+                  <a:pt x="201661" y="152993"/>
+                  <a:pt x="119303" y="162229"/>
+                  <a:pt x="36945" y="171466"/>
+                </a:cubicBezTo>
+              </a:path>
+            </a:pathLst>
+          </a:custGeom>
+          <a:ln w="19050">
+            <a:solidFill>
+              <a:srgbClr val="7030A0"/>
+            </a:solidFill>
+            <a:headEnd type="arrow" w="med" len="med"/>
+            <a:tailEnd type="none" w="med" len="med"/>
+          </a:ln>
+        </p:spPr>
+        <p:style>
+          <a:lnRef idx="1">
+            <a:schemeClr val="accent1"/>
+          </a:lnRef>
+          <a:fillRef idx="0">
+            <a:schemeClr val="accent1"/>
+          </a:fillRef>
+          <a:effectRef idx="0">
+            <a:schemeClr val="accent1"/>
+          </a:effectRef>
+          <a:fontRef idx="minor">
+            <a:schemeClr val="tx1"/>
+          </a:fontRef>
+        </p:style>
+        <p:txBody>
+          <a:bodyPr rtlCol="0" anchor="ctr"/>
+          <a:lstStyle/>
+          <a:p>
+            <a:pPr algn="ctr"/>
+            <a:endParaRPr lang="en-SG"/>
+          </a:p>
+        </p:txBody>
+      </p:sp>
+      <p:sp>
+        <p:nvSpPr>
+          <p:cNvPr id="123" name="TextBox 122"/>
+          <p:cNvSpPr txBox="1"/>
+          <p:nvPr/>
+        </p:nvSpPr>
+        <p:spPr>
+          <a:xfrm>
+            <a:off x="5071886" y="2895548"/>
+            <a:ext cx="923110" cy="246221"/>
+          </a:xfrm>
+          <a:prstGeom prst="rect">
+            <a:avLst/>
+          </a:prstGeom>
+          <a:noFill/>
+        </p:spPr>
+        <p:txBody>
+          <a:bodyPr wrap="square" lIns="0" tIns="0" rIns="0" bIns="0" rtlCol="0">
+            <a:spAutoFit/>
+          </a:bodyPr>
+          <a:lstStyle/>
+          <a:p>
+            <a:r>
+              <a:rPr lang="en-US" sz="800" dirty="0" err="1" smtClean="0">
+                <a:solidFill>
+                  <a:srgbClr val="7030A0"/>
+                </a:solidFill>
+              </a:rPr>
+              <a:t>getLinkedInSecret</a:t>
+            </a:r>
+            <a:r>
+              <a:rPr lang="en-US" sz="800" dirty="0" smtClean="0">
+                <a:solidFill>
+                  <a:srgbClr val="7030A0"/>
+                </a:solidFill>
+              </a:rPr>
+              <a:t>() from </a:t>
+            </a:r>
+            <a:r>
+              <a:rPr lang="en-US" sz="800" dirty="0" err="1" smtClean="0">
+                <a:solidFill>
+                  <a:srgbClr val="7030A0"/>
+                </a:solidFill>
+              </a:rPr>
+              <a:t>decrypter</a:t>
+            </a:r>
+            <a:endParaRPr lang="en-US" sz="800" dirty="0" smtClean="0">
+              <a:solidFill>
+                <a:srgbClr val="7030A0"/>
+              </a:solidFill>
+            </a:endParaRPr>
+          </a:p>
+        </p:txBody>
+      </p:sp>
+      <p:sp>
+        <p:nvSpPr>
+          <p:cNvPr id="126" name="Rectangle 125"/>
+          <p:cNvSpPr/>
+          <p:nvPr/>
+        </p:nvSpPr>
+        <p:spPr>
+          <a:xfrm>
+            <a:off x="6461293" y="3255478"/>
+            <a:ext cx="145103" cy="299415"/>
+          </a:xfrm>
+          <a:prstGeom prst="rect">
+            <a:avLst/>
+          </a:prstGeom>
+          <a:solidFill>
+            <a:schemeClr val="accent5">
+              <a:lumMod val="75000"/>
+            </a:schemeClr>
+          </a:solidFill>
+          <a:ln>
+            <a:solidFill>
+              <a:schemeClr val="accent5">
+                <a:lumMod val="75000"/>
+              </a:schemeClr>
+            </a:solidFill>
+          </a:ln>
+          <a:effectLst/>
+        </p:spPr>
+        <p:style>
+          <a:lnRef idx="1">
+            <a:schemeClr val="accent3"/>
+          </a:lnRef>
+          <a:fillRef idx="2">
+            <a:schemeClr val="accent3"/>
+          </a:fillRef>
+          <a:effectRef idx="1">
+            <a:schemeClr val="accent3"/>
+          </a:effectRef>
+          <a:fontRef idx="minor">
+            <a:schemeClr val="dk1"/>
+          </a:fontRef>
+        </p:style>
+        <p:txBody>
+          <a:bodyPr rtlCol="0" anchor="ctr"/>
+          <a:lstStyle/>
+          <a:p>
+            <a:pPr algn="ctr"/>
+            <a:endParaRPr lang="en-SG" sz="1400">
+              <a:solidFill>
+                <a:schemeClr val="dk1"/>
+              </a:solidFill>
+            </a:endParaRPr>
+          </a:p>
+        </p:txBody>
+      </p:sp>
+      <p:sp>
+        <p:nvSpPr>
+          <p:cNvPr id="128" name="TextBox 127"/>
+          <p:cNvSpPr txBox="1"/>
+          <p:nvPr/>
+        </p:nvSpPr>
+        <p:spPr>
+          <a:xfrm>
+            <a:off x="4829220" y="3215019"/>
+            <a:ext cx="1554884" cy="123111"/>
+          </a:xfrm>
+          <a:prstGeom prst="rect">
+            <a:avLst/>
+          </a:prstGeom>
+          <a:noFill/>
+        </p:spPr>
+        <p:txBody>
+          <a:bodyPr wrap="square" lIns="0" tIns="0" rIns="0" bIns="0" rtlCol="0">
+            <a:spAutoFit/>
+          </a:bodyPr>
+          <a:lstStyle/>
+          <a:p>
+            <a:r>
+              <a:rPr lang="en-US" sz="800" dirty="0" err="1" smtClean="0">
+                <a:solidFill>
+                  <a:srgbClr val="7030A0"/>
+                </a:solidFill>
+              </a:rPr>
+              <a:t>getAccessToken</a:t>
+            </a:r>
+            <a:r>
+              <a:rPr lang="en-US" sz="800" dirty="0" smtClean="0">
+                <a:solidFill>
+                  <a:srgbClr val="7030A0"/>
+                </a:solidFill>
+              </a:rPr>
+              <a:t>()</a:t>
+            </a:r>
+          </a:p>
+        </p:txBody>
+      </p:sp>
+      <p:cxnSp>
+        <p:nvCxnSpPr>
+          <p:cNvPr id="129" name="Straight Arrow Connector 128"/>
+          <p:cNvCxnSpPr/>
+          <p:nvPr/>
+        </p:nvCxnSpPr>
+        <p:spPr>
+          <a:xfrm flipV="1">
+            <a:off x="4658800" y="3530641"/>
+            <a:ext cx="1835245" cy="48503"/>
+          </a:xfrm>
+          <a:prstGeom prst="straightConnector1">
+            <a:avLst/>
+          </a:prstGeom>
+          <a:ln w="19050">
+            <a:solidFill>
+              <a:schemeClr val="accent5">
+                <a:lumMod val="75000"/>
+              </a:schemeClr>
+            </a:solidFill>
+            <a:prstDash val="sysDash"/>
+            <a:headEnd type="arrow" w="med" len="med"/>
+            <a:tailEnd type="none" w="med" len="med"/>
+          </a:ln>
+        </p:spPr>
+        <p:style>
+          <a:lnRef idx="1">
+            <a:schemeClr val="accent1"/>
+          </a:lnRef>
+          <a:fillRef idx="0">
+            <a:schemeClr val="accent1"/>
+          </a:fillRef>
+          <a:effectRef idx="0">
+            <a:schemeClr val="accent1"/>
+          </a:effectRef>
+          <a:fontRef idx="minor">
+            <a:schemeClr val="tx1"/>
+          </a:fontRef>
+        </p:style>
+      </p:cxnSp>
+      <p:sp>
+        <p:nvSpPr>
+          <p:cNvPr id="130" name="TextBox 129"/>
+          <p:cNvSpPr txBox="1"/>
+          <p:nvPr/>
+        </p:nvSpPr>
+        <p:spPr>
+          <a:xfrm>
+            <a:off x="4804650" y="3405264"/>
+            <a:ext cx="1346841" cy="161583"/>
+          </a:xfrm>
+          <a:prstGeom prst="rect">
+            <a:avLst/>
+          </a:prstGeom>
+          <a:noFill/>
+        </p:spPr>
+        <p:txBody>
+          <a:bodyPr wrap="square" lIns="0" tIns="0" rIns="0" bIns="0" rtlCol="0">
+            <a:spAutoFit/>
+          </a:bodyPr>
+          <a:lstStyle/>
+          <a:p>
+            <a:r>
+              <a:rPr lang="en-US" sz="1050" dirty="0" smtClean="0">
+                <a:solidFill>
+                  <a:schemeClr val="accent5">
+                    <a:lumMod val="75000"/>
+                  </a:schemeClr>
+                </a:solidFill>
+              </a:rPr>
+              <a:t>Send access token</a:t>
+            </a:r>
+            <a:endParaRPr lang="en-US" sz="1050" dirty="0">
+              <a:solidFill>
+                <a:schemeClr val="accent5">
+                  <a:lumMod val="75000"/>
+                </a:schemeClr>
+              </a:solidFill>
+            </a:endParaRPr>
+          </a:p>
+        </p:txBody>
+      </p:sp>
+      <p:cxnSp>
+        <p:nvCxnSpPr>
+          <p:cNvPr id="131" name="Straight Arrow Connector 130"/>
+          <p:cNvCxnSpPr/>
+          <p:nvPr/>
+        </p:nvCxnSpPr>
+        <p:spPr>
+          <a:xfrm flipV="1">
+            <a:off x="4694788" y="3687269"/>
+            <a:ext cx="3619389" cy="5582"/>
+          </a:xfrm>
+          <a:prstGeom prst="straightConnector1">
+            <a:avLst/>
+          </a:prstGeom>
+          <a:ln w="19050">
+            <a:solidFill>
+              <a:srgbClr val="7030A0"/>
+            </a:solidFill>
+            <a:tailEnd type="arrow"/>
+          </a:ln>
+        </p:spPr>
+        <p:style>
+          <a:lnRef idx="1">
+            <a:schemeClr val="accent1"/>
+          </a:lnRef>
+          <a:fillRef idx="0">
+            <a:schemeClr val="accent1"/>
+          </a:fillRef>
+          <a:effectRef idx="0">
+            <a:schemeClr val="accent1"/>
+          </a:effectRef>
+          <a:fontRef idx="minor">
+            <a:schemeClr val="tx1"/>
+          </a:fontRef>
+        </p:style>
+      </p:cxnSp>
+      <p:sp>
+        <p:nvSpPr>
+          <p:cNvPr id="134" name="TextBox 133"/>
+          <p:cNvSpPr txBox="1"/>
+          <p:nvPr/>
+        </p:nvSpPr>
+        <p:spPr>
+          <a:xfrm>
+            <a:off x="5412845" y="3733453"/>
+            <a:ext cx="1554884" cy="153888"/>
+          </a:xfrm>
+          <a:prstGeom prst="rect">
+            <a:avLst/>
+          </a:prstGeom>
+          <a:noFill/>
+        </p:spPr>
+        <p:txBody>
+          <a:bodyPr wrap="square" lIns="0" tIns="0" rIns="0" bIns="0" rtlCol="0">
+            <a:spAutoFit/>
+          </a:bodyPr>
+          <a:lstStyle/>
+          <a:p>
+            <a:r>
+              <a:rPr lang="en-US" sz="1000" dirty="0" smtClean="0">
+                <a:solidFill>
+                  <a:srgbClr val="7030A0"/>
+                </a:solidFill>
+              </a:rPr>
+              <a:t>Save Access Token</a:t>
+            </a:r>
+          </a:p>
+        </p:txBody>
+      </p:sp>
+      <p:cxnSp>
+        <p:nvCxnSpPr>
+          <p:cNvPr id="137" name="Straight Arrow Connector 136"/>
+          <p:cNvCxnSpPr/>
+          <p:nvPr/>
+        </p:nvCxnSpPr>
+        <p:spPr>
+          <a:xfrm>
+            <a:off x="314394" y="4038600"/>
+            <a:ext cx="4181206" cy="0"/>
+          </a:xfrm>
+          <a:prstGeom prst="straightConnector1">
+            <a:avLst/>
+          </a:prstGeom>
+          <a:ln w="19050">
+            <a:solidFill>
+              <a:srgbClr val="7030A0"/>
+            </a:solidFill>
+            <a:prstDash val="sysDash"/>
+            <a:headEnd type="arrow" w="med" len="med"/>
+            <a:tailEnd type="none" w="med" len="med"/>
+          </a:ln>
+        </p:spPr>
+        <p:style>
+          <a:lnRef idx="1">
+            <a:schemeClr val="accent1"/>
+          </a:lnRef>
+          <a:fillRef idx="0">
+            <a:schemeClr val="accent1"/>
+          </a:fillRef>
+          <a:effectRef idx="0">
+            <a:schemeClr val="accent1"/>
+          </a:effectRef>
+          <a:fontRef idx="minor">
+            <a:schemeClr val="tx1"/>
+          </a:fontRef>
+        </p:style>
+      </p:cxnSp>
+    </p:spTree>
+    <p:extLst>
+      <p:ext uri="{BB962C8B-B14F-4D97-AF65-F5344CB8AC3E}">
+        <p14:creationId xmlns:p14="http://schemas.microsoft.com/office/powerpoint/2010/main" val="70996524"/>
       </p:ext>
     </p:extLst>
   </p:cSld>
